--- a/documentation/cycle 2/Cycle2Presentation.pptx
+++ b/documentation/cycle 2/Cycle2Presentation.pptx
@@ -11,8 +11,9 @@
     <p:sldId id="259" r:id="rId5"/>
     <p:sldId id="265" r:id="rId6"/>
     <p:sldId id="264" r:id="rId7"/>
-    <p:sldId id="263" r:id="rId8"/>
-    <p:sldId id="261" r:id="rId9"/>
+    <p:sldId id="267" r:id="rId8"/>
+    <p:sldId id="263" r:id="rId9"/>
+    <p:sldId id="261" r:id="rId10"/>
   </p:sldIdLst>
   <p:sldSz cx="9144000" cy="6858000" type="screen4x3"/>
   <p:notesSz cx="6858000" cy="9144000"/>
@@ -537,7 +538,7 @@
             <a:fld id="{28E80666-FB37-4B36-9149-507F3B0178E3}" type="datetimeFigureOut">
               <a:rPr lang="en-US" smtClean="0"/>
               <a:pPr/>
-              <a:t>3/31/14</a:t>
+              <a:t>3/31/2014</a:t>
             </a:fld>
             <a:endParaRPr lang="en-US"/>
           </a:p>
@@ -629,7 +630,7 @@
   <p:timing>
     <p:tnLst>
       <p:par>
-        <p:cTn xmlns:p14="http://schemas.microsoft.com/office/powerpoint/2010/main" id="1" dur="indefinite" restart="never" nodeType="tmRoot"/>
+        <p:cTn id="1" dur="indefinite" restart="never" nodeType="tmRoot"/>
       </p:par>
     </p:tnLst>
   </p:timing>
@@ -751,7 +752,7 @@
             <a:fld id="{28E80666-FB37-4B36-9149-507F3B0178E3}" type="datetimeFigureOut">
               <a:rPr lang="en-US" smtClean="0"/>
               <a:pPr/>
-              <a:t>3/31/14</a:t>
+              <a:t>3/31/2014</a:t>
             </a:fld>
             <a:endParaRPr lang="en-US"/>
           </a:p>
@@ -808,7 +809,7 @@
   <p:timing>
     <p:tnLst>
       <p:par>
-        <p:cTn xmlns:p14="http://schemas.microsoft.com/office/powerpoint/2010/main" id="1" dur="indefinite" restart="never" nodeType="tmRoot"/>
+        <p:cTn id="1" dur="indefinite" restart="never" nodeType="tmRoot"/>
       </p:par>
     </p:tnLst>
   </p:timing>
@@ -940,7 +941,7 @@
             <a:fld id="{28E80666-FB37-4B36-9149-507F3B0178E3}" type="datetimeFigureOut">
               <a:rPr lang="en-US" smtClean="0"/>
               <a:pPr/>
-              <a:t>3/31/14</a:t>
+              <a:t>3/31/2014</a:t>
             </a:fld>
             <a:endParaRPr lang="en-US"/>
           </a:p>
@@ -997,7 +998,7 @@
   <p:timing>
     <p:tnLst>
       <p:par>
-        <p:cTn xmlns:p14="http://schemas.microsoft.com/office/powerpoint/2010/main" id="1" dur="indefinite" restart="never" nodeType="tmRoot"/>
+        <p:cTn id="1" dur="indefinite" restart="never" nodeType="tmRoot"/>
       </p:par>
     </p:tnLst>
   </p:timing>
@@ -1039,7 +1040,7 @@
             <a:fld id="{28E80666-FB37-4B36-9149-507F3B0178E3}" type="datetimeFigureOut">
               <a:rPr lang="en-US" smtClean="0"/>
               <a:pPr/>
-              <a:t>3/31/14</a:t>
+              <a:t>3/31/2014</a:t>
             </a:fld>
             <a:endParaRPr lang="en-US"/>
           </a:p>
@@ -1176,7 +1177,7 @@
   <p:timing>
     <p:tnLst>
       <p:par>
-        <p:cTn xmlns:p14="http://schemas.microsoft.com/office/powerpoint/2010/main" id="1" dur="indefinite" restart="never" nodeType="tmRoot"/>
+        <p:cTn id="1" dur="indefinite" restart="never" nodeType="tmRoot"/>
       </p:par>
     </p:tnLst>
   </p:timing>
@@ -1637,7 +1638,7 @@
             <a:fld id="{28E80666-FB37-4B36-9149-507F3B0178E3}" type="datetimeFigureOut">
               <a:rPr lang="en-US" smtClean="0"/>
               <a:pPr/>
-              <a:t>3/31/14</a:t>
+              <a:t>3/31/2014</a:t>
             </a:fld>
             <a:endParaRPr lang="en-US"/>
           </a:p>
@@ -1694,7 +1695,7 @@
   <p:timing>
     <p:tnLst>
       <p:par>
-        <p:cTn xmlns:p14="http://schemas.microsoft.com/office/powerpoint/2010/main" id="1" dur="indefinite" restart="never" nodeType="tmRoot"/>
+        <p:cTn id="1" dur="indefinite" restart="never" nodeType="tmRoot"/>
       </p:par>
     </p:tnLst>
   </p:timing>
@@ -1736,7 +1737,7 @@
             <a:fld id="{28E80666-FB37-4B36-9149-507F3B0178E3}" type="datetimeFigureOut">
               <a:rPr lang="en-US" smtClean="0"/>
               <a:pPr/>
-              <a:t>3/31/14</a:t>
+              <a:t>3/31/2014</a:t>
             </a:fld>
             <a:endParaRPr lang="en-US"/>
           </a:p>
@@ -1930,7 +1931,7 @@
   <p:timing>
     <p:tnLst>
       <p:par>
-        <p:cTn xmlns:p14="http://schemas.microsoft.com/office/powerpoint/2010/main" id="1" dur="indefinite" restart="never" nodeType="tmRoot"/>
+        <p:cTn id="1" dur="indefinite" restart="never" nodeType="tmRoot"/>
       </p:par>
     </p:tnLst>
   </p:timing>
@@ -2343,7 +2344,7 @@
             <a:fld id="{28E80666-FB37-4B36-9149-507F3B0178E3}" type="datetimeFigureOut">
               <a:rPr lang="en-US" smtClean="0"/>
               <a:pPr/>
-              <a:t>3/31/14</a:t>
+              <a:t>3/31/2014</a:t>
             </a:fld>
             <a:endParaRPr lang="en-US"/>
           </a:p>
@@ -2423,7 +2424,7 @@
   <p:timing>
     <p:tnLst>
       <p:par>
-        <p:cTn xmlns:p14="http://schemas.microsoft.com/office/powerpoint/2010/main" id="1" dur="indefinite" restart="never" nodeType="tmRoot"/>
+        <p:cTn id="1" dur="indefinite" restart="never" nodeType="tmRoot"/>
       </p:par>
     </p:tnLst>
   </p:timing>
@@ -2488,7 +2489,7 @@
             <a:fld id="{28E80666-FB37-4B36-9149-507F3B0178E3}" type="datetimeFigureOut">
               <a:rPr lang="en-US" smtClean="0"/>
               <a:pPr/>
-              <a:t>3/31/14</a:t>
+              <a:t>3/31/2014</a:t>
             </a:fld>
             <a:endParaRPr lang="en-US"/>
           </a:p>
@@ -2545,7 +2546,7 @@
   <p:timing>
     <p:tnLst>
       <p:par>
-        <p:cTn xmlns:p14="http://schemas.microsoft.com/office/powerpoint/2010/main" id="1" dur="indefinite" restart="never" nodeType="tmRoot"/>
+        <p:cTn id="1" dur="indefinite" restart="never" nodeType="tmRoot"/>
       </p:par>
     </p:tnLst>
   </p:timing>
@@ -2587,7 +2588,7 @@
             <a:fld id="{28E80666-FB37-4B36-9149-507F3B0178E3}" type="datetimeFigureOut">
               <a:rPr lang="en-US" smtClean="0"/>
               <a:pPr/>
-              <a:t>3/31/14</a:t>
+              <a:t>3/31/2014</a:t>
             </a:fld>
             <a:endParaRPr lang="en-US"/>
           </a:p>
@@ -2644,7 +2645,7 @@
   <p:timing>
     <p:tnLst>
       <p:par>
-        <p:cTn xmlns:p14="http://schemas.microsoft.com/office/powerpoint/2010/main" id="1" dur="indefinite" restart="never" nodeType="tmRoot"/>
+        <p:cTn id="1" dur="indefinite" restart="never" nodeType="tmRoot"/>
       </p:par>
     </p:tnLst>
   </p:timing>
@@ -2873,7 +2874,7 @@
             <a:fld id="{28E80666-FB37-4B36-9149-507F3B0178E3}" type="datetimeFigureOut">
               <a:rPr lang="en-US" smtClean="0"/>
               <a:pPr/>
-              <a:t>3/31/14</a:t>
+              <a:t>3/31/2014</a:t>
             </a:fld>
             <a:endParaRPr lang="en-US"/>
           </a:p>
@@ -2930,7 +2931,7 @@
   <p:timing>
     <p:tnLst>
       <p:par>
-        <p:cTn xmlns:p14="http://schemas.microsoft.com/office/powerpoint/2010/main" id="1" dur="indefinite" restart="never" nodeType="tmRoot"/>
+        <p:cTn id="1" dur="indefinite" restart="never" nodeType="tmRoot"/>
       </p:par>
     </p:tnLst>
   </p:timing>
@@ -3397,7 +3398,7 @@
             <a:fld id="{28E80666-FB37-4B36-9149-507F3B0178E3}" type="datetimeFigureOut">
               <a:rPr lang="en-US" smtClean="0"/>
               <a:pPr/>
-              <a:t>3/31/14</a:t>
+              <a:t>3/31/2014</a:t>
             </a:fld>
             <a:endParaRPr lang="en-US"/>
           </a:p>
@@ -3488,7 +3489,7 @@
   <p:timing>
     <p:tnLst>
       <p:par>
-        <p:cTn xmlns:p14="http://schemas.microsoft.com/office/powerpoint/2010/main" id="1" dur="indefinite" restart="never" nodeType="tmRoot"/>
+        <p:cTn id="1" dur="indefinite" restart="never" nodeType="tmRoot"/>
       </p:par>
     </p:tnLst>
   </p:timing>
@@ -3919,7 +3920,7 @@
             <a:fld id="{28E80666-FB37-4B36-9149-507F3B0178E3}" type="datetimeFigureOut">
               <a:rPr lang="en-US" smtClean="0"/>
               <a:pPr/>
-              <a:t>3/31/14</a:t>
+              <a:t>3/31/2014</a:t>
             </a:fld>
             <a:endParaRPr lang="en-US" dirty="0"/>
           </a:p>
@@ -4025,7 +4026,7 @@
   <p:timing>
     <p:tnLst>
       <p:par>
-        <p:cTn xmlns:p14="http://schemas.microsoft.com/office/powerpoint/2010/main" id="1" dur="indefinite" restart="never" nodeType="tmRoot"/>
+        <p:cTn id="1" dur="indefinite" restart="never" nodeType="tmRoot"/>
       </p:par>
     </p:tnLst>
   </p:timing>
@@ -4560,7 +4561,7 @@
     </p:spTree>
     <p:extLst>
       <p:ext uri="{BB962C8B-B14F-4D97-AF65-F5344CB8AC3E}">
-        <p14:creationId xmlns:p14="http://schemas.microsoft.com/office/powerpoint/2010/main" val="3311099823"/>
+        <p14:creationId xmlns:p14="http://schemas.microsoft.com/office/powerpoint/2010/main" xmlns="" val="3311099823"/>
       </p:ext>
     </p:extLst>
   </p:cSld>
@@ -4679,7 +4680,7 @@
     </p:spTree>
     <p:extLst>
       <p:ext uri="{BB962C8B-B14F-4D97-AF65-F5344CB8AC3E}">
-        <p14:creationId xmlns:p14="http://schemas.microsoft.com/office/powerpoint/2010/main" val="881571815"/>
+        <p14:creationId xmlns:p14="http://schemas.microsoft.com/office/powerpoint/2010/main" xmlns="" val="881571815"/>
       </p:ext>
     </p:extLst>
   </p:cSld>
@@ -4788,7 +4789,7 @@
     </p:spTree>
     <p:extLst>
       <p:ext uri="{BB962C8B-B14F-4D97-AF65-F5344CB8AC3E}">
-        <p14:creationId xmlns:p14="http://schemas.microsoft.com/office/powerpoint/2010/main" val="1618484116"/>
+        <p14:creationId xmlns:p14="http://schemas.microsoft.com/office/powerpoint/2010/main" xmlns="" val="1618484116"/>
       </p:ext>
     </p:extLst>
   </p:cSld>
@@ -4913,7 +4914,7 @@
     </p:spTree>
     <p:extLst>
       <p:ext uri="{BB962C8B-B14F-4D97-AF65-F5344CB8AC3E}">
-        <p14:creationId xmlns:p14="http://schemas.microsoft.com/office/powerpoint/2010/main" val="1025294848"/>
+        <p14:creationId xmlns:p14="http://schemas.microsoft.com/office/powerpoint/2010/main" xmlns="" val="1025294848"/>
       </p:ext>
     </p:extLst>
   </p:cSld>
@@ -5014,7 +5015,7 @@
     </p:spTree>
     <p:extLst>
       <p:ext uri="{BB962C8B-B14F-4D97-AF65-F5344CB8AC3E}">
-        <p14:creationId xmlns:p14="http://schemas.microsoft.com/office/powerpoint/2010/main" val="3777256071"/>
+        <p14:creationId xmlns:p14="http://schemas.microsoft.com/office/powerpoint/2010/main" xmlns="" val="3777256071"/>
       </p:ext>
     </p:extLst>
   </p:cSld>
@@ -5125,7 +5126,7 @@
     </p:spTree>
     <p:extLst>
       <p:ext uri="{BB962C8B-B14F-4D97-AF65-F5344CB8AC3E}">
-        <p14:creationId xmlns:p14="http://schemas.microsoft.com/office/powerpoint/2010/main" val="1464219534"/>
+        <p14:creationId xmlns:p14="http://schemas.microsoft.com/office/powerpoint/2010/main" xmlns="" val="1464219534"/>
       </p:ext>
     </p:extLst>
   </p:cSld>
@@ -5136,6 +5137,102 @@
 </file>
 
 <file path=ppt/slides/slide7.xml><?xml version="1.0" encoding="utf-8"?>
+<p:sld xmlns:a="http://schemas.openxmlformats.org/drawingml/2006/main" xmlns:r="http://schemas.openxmlformats.org/officeDocument/2006/relationships" xmlns:p="http://schemas.openxmlformats.org/presentationml/2006/main">
+  <p:cSld>
+    <p:spTree>
+      <p:nvGrpSpPr>
+        <p:cNvPr id="1" name=""/>
+        <p:cNvGrpSpPr/>
+        <p:nvPr/>
+      </p:nvGrpSpPr>
+      <p:grpSpPr>
+        <a:xfrm>
+          <a:off x="0" y="0"/>
+          <a:ext cx="0" cy="0"/>
+          <a:chOff x="0" y="0"/>
+          <a:chExt cx="0" cy="0"/>
+        </a:xfrm>
+      </p:grpSpPr>
+      <p:sp>
+        <p:nvSpPr>
+          <p:cNvPr id="2" name="Title 1"/>
+          <p:cNvSpPr>
+            <a:spLocks noGrp="1"/>
+          </p:cNvSpPr>
+          <p:nvPr>
+            <p:ph type="title"/>
+          </p:nvPr>
+        </p:nvSpPr>
+        <p:spPr>
+          <a:xfrm>
+            <a:off x="-922750" y="298764"/>
+            <a:ext cx="6512511" cy="1143000"/>
+          </a:xfrm>
+        </p:spPr>
+        <p:txBody>
+          <a:bodyPr/>
+          <a:lstStyle/>
+          <a:p>
+            <a:pPr>
+              <a:buNone/>
+            </a:pPr>
+            <a:r>
+              <a:rPr lang="en-US" dirty="0" smtClean="0"/>
+              <a:t>Windows Service</a:t>
+            </a:r>
+            <a:endParaRPr lang="en-US" dirty="0"/>
+          </a:p>
+        </p:txBody>
+      </p:sp>
+      <p:sp>
+        <p:nvSpPr>
+          <p:cNvPr id="3" name="Content Placeholder 2"/>
+          <p:cNvSpPr>
+            <a:spLocks noGrp="1"/>
+          </p:cNvSpPr>
+          <p:nvPr>
+            <p:ph sz="quarter" idx="13"/>
+          </p:nvPr>
+        </p:nvSpPr>
+        <p:spPr>
+          <a:xfrm>
+            <a:off x="1143000" y="2040448"/>
+            <a:ext cx="6400800" cy="3474720"/>
+          </a:xfrm>
+        </p:spPr>
+        <p:txBody>
+          <a:bodyPr/>
+          <a:lstStyle/>
+          <a:p>
+            <a:r>
+              <a:rPr lang="en-US" dirty="0" smtClean="0"/>
+              <a:t>Identifier and Stolen status stored in registry</a:t>
+            </a:r>
+          </a:p>
+          <a:p>
+            <a:r>
+              <a:rPr lang="en-US" dirty="0" smtClean="0"/>
+              <a:t>Reconnect to key-logger mid execution</a:t>
+            </a:r>
+          </a:p>
+          <a:p>
+            <a:r>
+              <a:rPr lang="en-US" dirty="0" smtClean="0"/>
+              <a:t>Other minor improvements</a:t>
+            </a:r>
+            <a:endParaRPr lang="en-US" dirty="0"/>
+          </a:p>
+        </p:txBody>
+      </p:sp>
+    </p:spTree>
+  </p:cSld>
+  <p:clrMapOvr>
+    <a:masterClrMapping/>
+  </p:clrMapOvr>
+</p:sld>
+</file>
+
+<file path=ppt/slides/slide8.xml><?xml version="1.0" encoding="utf-8"?>
 <p:sld xmlns:a="http://schemas.openxmlformats.org/drawingml/2006/main" xmlns:r="http://schemas.openxmlformats.org/officeDocument/2006/relationships" xmlns:p="http://schemas.openxmlformats.org/presentationml/2006/main">
   <p:cSld>
     <p:spTree>
@@ -5429,7 +5526,7 @@
     </p:spTree>
     <p:extLst>
       <p:ext uri="{BB962C8B-B14F-4D97-AF65-F5344CB8AC3E}">
-        <p14:creationId xmlns:p14="http://schemas.microsoft.com/office/powerpoint/2010/main" val="3038594488"/>
+        <p14:creationId xmlns:p14="http://schemas.microsoft.com/office/powerpoint/2010/main" xmlns="" val="3038594488"/>
       </p:ext>
     </p:extLst>
   </p:cSld>
@@ -5439,7 +5536,7 @@
 </p:sld>
 </file>
 
-<file path=ppt/slides/slide8.xml><?xml version="1.0" encoding="utf-8"?>
+<file path=ppt/slides/slide9.xml><?xml version="1.0" encoding="utf-8"?>
 <p:sld xmlns:a="http://schemas.openxmlformats.org/drawingml/2006/main" xmlns:r="http://schemas.openxmlformats.org/officeDocument/2006/relationships" xmlns:p="http://schemas.openxmlformats.org/presentationml/2006/main">
   <p:cSld>
     <p:spTree>
@@ -5532,7 +5629,7 @@
     </p:spTree>
     <p:extLst>
       <p:ext uri="{BB962C8B-B14F-4D97-AF65-F5344CB8AC3E}">
-        <p14:creationId xmlns:p14="http://schemas.microsoft.com/office/powerpoint/2010/main" val="115980194"/>
+        <p14:creationId xmlns:p14="http://schemas.microsoft.com/office/powerpoint/2010/main" xmlns="" val="115980194"/>
       </p:ext>
     </p:extLst>
   </p:cSld>

--- a/documentation/cycle 2/Cycle2Presentation.pptx
+++ b/documentation/cycle 2/Cycle2Presentation.pptx
@@ -9,11 +9,12 @@
     <p:sldId id="266" r:id="rId3"/>
     <p:sldId id="258" r:id="rId4"/>
     <p:sldId id="259" r:id="rId5"/>
-    <p:sldId id="265" r:id="rId6"/>
-    <p:sldId id="264" r:id="rId7"/>
-    <p:sldId id="267" r:id="rId8"/>
-    <p:sldId id="263" r:id="rId9"/>
+    <p:sldId id="268" r:id="rId6"/>
+    <p:sldId id="265" r:id="rId7"/>
+    <p:sldId id="264" r:id="rId8"/>
+    <p:sldId id="267" r:id="rId9"/>
     <p:sldId id="261" r:id="rId10"/>
+    <p:sldId id="263" r:id="rId11"/>
   </p:sldIdLst>
   <p:sldSz cx="9144000" cy="6858000" type="screen4x3"/>
   <p:notesSz cx="6858000" cy="9144000"/>
@@ -538,7 +539,7 @@
             <a:fld id="{28E80666-FB37-4B36-9149-507F3B0178E3}" type="datetimeFigureOut">
               <a:rPr lang="en-US" smtClean="0"/>
               <a:pPr/>
-              <a:t>3/31/2014</a:t>
+              <a:t>3/31/14</a:t>
             </a:fld>
             <a:endParaRPr lang="en-US"/>
           </a:p>
@@ -630,7 +631,7 @@
   <p:timing>
     <p:tnLst>
       <p:par>
-        <p:cTn id="1" dur="indefinite" restart="never" nodeType="tmRoot"/>
+        <p:cTn xmlns:p14="http://schemas.microsoft.com/office/powerpoint/2010/main" id="1" dur="indefinite" restart="never" nodeType="tmRoot"/>
       </p:par>
     </p:tnLst>
   </p:timing>
@@ -752,7 +753,7 @@
             <a:fld id="{28E80666-FB37-4B36-9149-507F3B0178E3}" type="datetimeFigureOut">
               <a:rPr lang="en-US" smtClean="0"/>
               <a:pPr/>
-              <a:t>3/31/2014</a:t>
+              <a:t>3/31/14</a:t>
             </a:fld>
             <a:endParaRPr lang="en-US"/>
           </a:p>
@@ -809,7 +810,7 @@
   <p:timing>
     <p:tnLst>
       <p:par>
-        <p:cTn id="1" dur="indefinite" restart="never" nodeType="tmRoot"/>
+        <p:cTn xmlns:p14="http://schemas.microsoft.com/office/powerpoint/2010/main" id="1" dur="indefinite" restart="never" nodeType="tmRoot"/>
       </p:par>
     </p:tnLst>
   </p:timing>
@@ -941,7 +942,7 @@
             <a:fld id="{28E80666-FB37-4B36-9149-507F3B0178E3}" type="datetimeFigureOut">
               <a:rPr lang="en-US" smtClean="0"/>
               <a:pPr/>
-              <a:t>3/31/2014</a:t>
+              <a:t>3/31/14</a:t>
             </a:fld>
             <a:endParaRPr lang="en-US"/>
           </a:p>
@@ -998,7 +999,7 @@
   <p:timing>
     <p:tnLst>
       <p:par>
-        <p:cTn id="1" dur="indefinite" restart="never" nodeType="tmRoot"/>
+        <p:cTn xmlns:p14="http://schemas.microsoft.com/office/powerpoint/2010/main" id="1" dur="indefinite" restart="never" nodeType="tmRoot"/>
       </p:par>
     </p:tnLst>
   </p:timing>
@@ -1040,7 +1041,7 @@
             <a:fld id="{28E80666-FB37-4B36-9149-507F3B0178E3}" type="datetimeFigureOut">
               <a:rPr lang="en-US" smtClean="0"/>
               <a:pPr/>
-              <a:t>3/31/2014</a:t>
+              <a:t>3/31/14</a:t>
             </a:fld>
             <a:endParaRPr lang="en-US"/>
           </a:p>
@@ -1177,7 +1178,7 @@
   <p:timing>
     <p:tnLst>
       <p:par>
-        <p:cTn id="1" dur="indefinite" restart="never" nodeType="tmRoot"/>
+        <p:cTn xmlns:p14="http://schemas.microsoft.com/office/powerpoint/2010/main" id="1" dur="indefinite" restart="never" nodeType="tmRoot"/>
       </p:par>
     </p:tnLst>
   </p:timing>
@@ -1638,7 +1639,7 @@
             <a:fld id="{28E80666-FB37-4B36-9149-507F3B0178E3}" type="datetimeFigureOut">
               <a:rPr lang="en-US" smtClean="0"/>
               <a:pPr/>
-              <a:t>3/31/2014</a:t>
+              <a:t>3/31/14</a:t>
             </a:fld>
             <a:endParaRPr lang="en-US"/>
           </a:p>
@@ -1695,7 +1696,7 @@
   <p:timing>
     <p:tnLst>
       <p:par>
-        <p:cTn id="1" dur="indefinite" restart="never" nodeType="tmRoot"/>
+        <p:cTn xmlns:p14="http://schemas.microsoft.com/office/powerpoint/2010/main" id="1" dur="indefinite" restart="never" nodeType="tmRoot"/>
       </p:par>
     </p:tnLst>
   </p:timing>
@@ -1737,7 +1738,7 @@
             <a:fld id="{28E80666-FB37-4B36-9149-507F3B0178E3}" type="datetimeFigureOut">
               <a:rPr lang="en-US" smtClean="0"/>
               <a:pPr/>
-              <a:t>3/31/2014</a:t>
+              <a:t>3/31/14</a:t>
             </a:fld>
             <a:endParaRPr lang="en-US"/>
           </a:p>
@@ -1931,7 +1932,7 @@
   <p:timing>
     <p:tnLst>
       <p:par>
-        <p:cTn id="1" dur="indefinite" restart="never" nodeType="tmRoot"/>
+        <p:cTn xmlns:p14="http://schemas.microsoft.com/office/powerpoint/2010/main" id="1" dur="indefinite" restart="never" nodeType="tmRoot"/>
       </p:par>
     </p:tnLst>
   </p:timing>
@@ -2344,7 +2345,7 @@
             <a:fld id="{28E80666-FB37-4B36-9149-507F3B0178E3}" type="datetimeFigureOut">
               <a:rPr lang="en-US" smtClean="0"/>
               <a:pPr/>
-              <a:t>3/31/2014</a:t>
+              <a:t>3/31/14</a:t>
             </a:fld>
             <a:endParaRPr lang="en-US"/>
           </a:p>
@@ -2424,7 +2425,7 @@
   <p:timing>
     <p:tnLst>
       <p:par>
-        <p:cTn id="1" dur="indefinite" restart="never" nodeType="tmRoot"/>
+        <p:cTn xmlns:p14="http://schemas.microsoft.com/office/powerpoint/2010/main" id="1" dur="indefinite" restart="never" nodeType="tmRoot"/>
       </p:par>
     </p:tnLst>
   </p:timing>
@@ -2489,7 +2490,7 @@
             <a:fld id="{28E80666-FB37-4B36-9149-507F3B0178E3}" type="datetimeFigureOut">
               <a:rPr lang="en-US" smtClean="0"/>
               <a:pPr/>
-              <a:t>3/31/2014</a:t>
+              <a:t>3/31/14</a:t>
             </a:fld>
             <a:endParaRPr lang="en-US"/>
           </a:p>
@@ -2546,7 +2547,7 @@
   <p:timing>
     <p:tnLst>
       <p:par>
-        <p:cTn id="1" dur="indefinite" restart="never" nodeType="tmRoot"/>
+        <p:cTn xmlns:p14="http://schemas.microsoft.com/office/powerpoint/2010/main" id="1" dur="indefinite" restart="never" nodeType="tmRoot"/>
       </p:par>
     </p:tnLst>
   </p:timing>
@@ -2588,7 +2589,7 @@
             <a:fld id="{28E80666-FB37-4B36-9149-507F3B0178E3}" type="datetimeFigureOut">
               <a:rPr lang="en-US" smtClean="0"/>
               <a:pPr/>
-              <a:t>3/31/2014</a:t>
+              <a:t>3/31/14</a:t>
             </a:fld>
             <a:endParaRPr lang="en-US"/>
           </a:p>
@@ -2645,7 +2646,7 @@
   <p:timing>
     <p:tnLst>
       <p:par>
-        <p:cTn id="1" dur="indefinite" restart="never" nodeType="tmRoot"/>
+        <p:cTn xmlns:p14="http://schemas.microsoft.com/office/powerpoint/2010/main" id="1" dur="indefinite" restart="never" nodeType="tmRoot"/>
       </p:par>
     </p:tnLst>
   </p:timing>
@@ -2874,7 +2875,7 @@
             <a:fld id="{28E80666-FB37-4B36-9149-507F3B0178E3}" type="datetimeFigureOut">
               <a:rPr lang="en-US" smtClean="0"/>
               <a:pPr/>
-              <a:t>3/31/2014</a:t>
+              <a:t>3/31/14</a:t>
             </a:fld>
             <a:endParaRPr lang="en-US"/>
           </a:p>
@@ -2931,7 +2932,7 @@
   <p:timing>
     <p:tnLst>
       <p:par>
-        <p:cTn id="1" dur="indefinite" restart="never" nodeType="tmRoot"/>
+        <p:cTn xmlns:p14="http://schemas.microsoft.com/office/powerpoint/2010/main" id="1" dur="indefinite" restart="never" nodeType="tmRoot"/>
       </p:par>
     </p:tnLst>
   </p:timing>
@@ -3398,7 +3399,7 @@
             <a:fld id="{28E80666-FB37-4B36-9149-507F3B0178E3}" type="datetimeFigureOut">
               <a:rPr lang="en-US" smtClean="0"/>
               <a:pPr/>
-              <a:t>3/31/2014</a:t>
+              <a:t>3/31/14</a:t>
             </a:fld>
             <a:endParaRPr lang="en-US"/>
           </a:p>
@@ -3489,7 +3490,7 @@
   <p:timing>
     <p:tnLst>
       <p:par>
-        <p:cTn id="1" dur="indefinite" restart="never" nodeType="tmRoot"/>
+        <p:cTn xmlns:p14="http://schemas.microsoft.com/office/powerpoint/2010/main" id="1" dur="indefinite" restart="never" nodeType="tmRoot"/>
       </p:par>
     </p:tnLst>
   </p:timing>
@@ -3920,7 +3921,7 @@
             <a:fld id="{28E80666-FB37-4B36-9149-507F3B0178E3}" type="datetimeFigureOut">
               <a:rPr lang="en-US" smtClean="0"/>
               <a:pPr/>
-              <a:t>3/31/2014</a:t>
+              <a:t>3/31/14</a:t>
             </a:fld>
             <a:endParaRPr lang="en-US" dirty="0"/>
           </a:p>
@@ -4026,7 +4027,7 @@
   <p:timing>
     <p:tnLst>
       <p:par>
-        <p:cTn id="1" dur="indefinite" restart="never" nodeType="tmRoot"/>
+        <p:cTn xmlns:p14="http://schemas.microsoft.com/office/powerpoint/2010/main" id="1" dur="indefinite" restart="never" nodeType="tmRoot"/>
       </p:par>
     </p:tnLst>
   </p:timing>
@@ -4561,7 +4562,7 @@
     </p:spTree>
     <p:extLst>
       <p:ext uri="{BB962C8B-B14F-4D97-AF65-F5344CB8AC3E}">
-        <p14:creationId xmlns:p14="http://schemas.microsoft.com/office/powerpoint/2010/main" xmlns="" val="3311099823"/>
+        <p14:creationId xmlns:p14="http://schemas.microsoft.com/office/powerpoint/2010/main" val="3311099823"/>
       </p:ext>
     </p:extLst>
   </p:cSld>
@@ -4571,668 +4572,7 @@
 </p:sld>
 </file>
 
-<file path=ppt/slides/slide2.xml><?xml version="1.0" encoding="utf-8"?>
-<p:sld xmlns:a="http://schemas.openxmlformats.org/drawingml/2006/main" xmlns:r="http://schemas.openxmlformats.org/officeDocument/2006/relationships" xmlns:p="http://schemas.openxmlformats.org/presentationml/2006/main">
-  <p:cSld>
-    <p:spTree>
-      <p:nvGrpSpPr>
-        <p:cNvPr id="1" name=""/>
-        <p:cNvGrpSpPr/>
-        <p:nvPr/>
-      </p:nvGrpSpPr>
-      <p:grpSpPr>
-        <a:xfrm>
-          <a:off x="0" y="0"/>
-          <a:ext cx="0" cy="0"/>
-          <a:chOff x="0" y="0"/>
-          <a:chExt cx="0" cy="0"/>
-        </a:xfrm>
-      </p:grpSpPr>
-      <p:sp>
-        <p:nvSpPr>
-          <p:cNvPr id="2" name="Title 1"/>
-          <p:cNvSpPr>
-            <a:spLocks noGrp="1"/>
-          </p:cNvSpPr>
-          <p:nvPr>
-            <p:ph type="title"/>
-          </p:nvPr>
-        </p:nvSpPr>
-        <p:spPr>
-          <a:xfrm>
-            <a:off x="1143000" y="371669"/>
-            <a:ext cx="6512511" cy="1143000"/>
-          </a:xfrm>
-        </p:spPr>
-        <p:txBody>
-          <a:bodyPr/>
-          <a:lstStyle/>
-          <a:p>
-            <a:pPr marL="0" indent="0" algn="l">
-              <a:buNone/>
-            </a:pPr>
-            <a:r>
-              <a:rPr lang="en-US" dirty="0" smtClean="0"/>
-              <a:t>Overview</a:t>
-            </a:r>
-            <a:endParaRPr lang="en-US" dirty="0"/>
-          </a:p>
-        </p:txBody>
-      </p:sp>
-      <p:sp>
-        <p:nvSpPr>
-          <p:cNvPr id="3" name="Content Placeholder 2"/>
-          <p:cNvSpPr>
-            <a:spLocks noGrp="1"/>
-          </p:cNvSpPr>
-          <p:nvPr>
-            <p:ph sz="quarter" idx="13"/>
-          </p:nvPr>
-        </p:nvSpPr>
-        <p:spPr>
-          <a:xfrm>
-            <a:off x="1143000" y="1977895"/>
-            <a:ext cx="6400800" cy="3854198"/>
-          </a:xfrm>
-        </p:spPr>
-        <p:txBody>
-          <a:bodyPr/>
-          <a:lstStyle/>
-          <a:p>
-            <a:r>
-              <a:rPr lang="en-US" dirty="0" smtClean="0"/>
-              <a:t>Activate</a:t>
-            </a:r>
-          </a:p>
-          <a:p>
-            <a:r>
-              <a:rPr lang="en-US" dirty="0" smtClean="0"/>
-              <a:t>Identify</a:t>
-            </a:r>
-          </a:p>
-          <a:p>
-            <a:r>
-              <a:rPr lang="en-US" dirty="0" smtClean="0"/>
-              <a:t>Locate</a:t>
-            </a:r>
-          </a:p>
-          <a:p>
-            <a:r>
-              <a:rPr lang="en-US" dirty="0" smtClean="0"/>
-              <a:t>Communicate</a:t>
-            </a:r>
-          </a:p>
-          <a:p>
-            <a:endParaRPr lang="en-US" dirty="0" smtClean="0"/>
-          </a:p>
-          <a:p>
-            <a:pPr marL="45720" indent="0">
-              <a:buNone/>
-            </a:pPr>
-            <a:r>
-              <a:rPr lang="en-US" dirty="0" smtClean="0"/>
-              <a:t>A system to track stolen objects and get data that can be used to locate and retrieve the object</a:t>
-            </a:r>
-            <a:endParaRPr lang="en-US" dirty="0"/>
-          </a:p>
-        </p:txBody>
-      </p:sp>
-    </p:spTree>
-    <p:extLst>
-      <p:ext uri="{BB962C8B-B14F-4D97-AF65-F5344CB8AC3E}">
-        <p14:creationId xmlns:p14="http://schemas.microsoft.com/office/powerpoint/2010/main" xmlns="" val="881571815"/>
-      </p:ext>
-    </p:extLst>
-  </p:cSld>
-  <p:clrMapOvr>
-    <a:masterClrMapping/>
-  </p:clrMapOvr>
-</p:sld>
-</file>
-
-<file path=ppt/slides/slide3.xml><?xml version="1.0" encoding="utf-8"?>
-<p:sld xmlns:a="http://schemas.openxmlformats.org/drawingml/2006/main" xmlns:r="http://schemas.openxmlformats.org/officeDocument/2006/relationships" xmlns:p="http://schemas.openxmlformats.org/presentationml/2006/main">
-  <p:cSld>
-    <p:spTree>
-      <p:nvGrpSpPr>
-        <p:cNvPr id="1" name=""/>
-        <p:cNvGrpSpPr/>
-        <p:nvPr/>
-      </p:nvGrpSpPr>
-      <p:grpSpPr>
-        <a:xfrm>
-          <a:off x="0" y="0"/>
-          <a:ext cx="0" cy="0"/>
-          <a:chOff x="0" y="0"/>
-          <a:chExt cx="0" cy="0"/>
-        </a:xfrm>
-      </p:grpSpPr>
-      <p:sp>
-        <p:nvSpPr>
-          <p:cNvPr id="2" name="Title 1"/>
-          <p:cNvSpPr>
-            <a:spLocks noGrp="1"/>
-          </p:cNvSpPr>
-          <p:nvPr>
-            <p:ph type="title"/>
-          </p:nvPr>
-        </p:nvSpPr>
-        <p:spPr>
-          <a:xfrm>
-            <a:off x="889471" y="356055"/>
-            <a:ext cx="6512511" cy="1143000"/>
-          </a:xfrm>
-        </p:spPr>
-        <p:txBody>
-          <a:bodyPr/>
-          <a:lstStyle/>
-          <a:p>
-            <a:pPr marL="0" indent="0" algn="l">
-              <a:buNone/>
-            </a:pPr>
-            <a:r>
-              <a:rPr lang="en-US" dirty="0" smtClean="0"/>
-              <a:t>Cycle Intent</a:t>
-            </a:r>
-            <a:endParaRPr lang="en-US" dirty="0"/>
-          </a:p>
-        </p:txBody>
-      </p:sp>
-      <p:sp>
-        <p:nvSpPr>
-          <p:cNvPr id="4" name="TextBox 3"/>
-          <p:cNvSpPr txBox="1"/>
-          <p:nvPr/>
-        </p:nvSpPr>
-        <p:spPr>
-          <a:xfrm>
-            <a:off x="889472" y="1899358"/>
-            <a:ext cx="7588682" cy="1754327"/>
-          </a:xfrm>
-          <a:prstGeom prst="rect">
-            <a:avLst/>
-          </a:prstGeom>
-          <a:noFill/>
-        </p:spPr>
-        <p:txBody>
-          <a:bodyPr wrap="square" rtlCol="0">
-            <a:spAutoFit/>
-          </a:bodyPr>
-          <a:lstStyle/>
-          <a:p>
-            <a:r>
-              <a:rPr lang="en-US" dirty="0" smtClean="0"/>
-              <a:t>Main focus on internal server communications and displaying of data on web view</a:t>
-            </a:r>
-          </a:p>
-          <a:p>
-            <a:endParaRPr lang="en-US" dirty="0" smtClean="0"/>
-          </a:p>
-          <a:p>
-            <a:r>
-              <a:rPr lang="en-US" dirty="0" smtClean="0"/>
-              <a:t>Functions for different queries to the database</a:t>
-            </a:r>
-          </a:p>
-          <a:p>
-            <a:endParaRPr lang="en-US" dirty="0" smtClean="0"/>
-          </a:p>
-          <a:p>
-            <a:r>
-              <a:rPr lang="en-US" dirty="0" smtClean="0"/>
-              <a:t>No major updates to Windows Service</a:t>
-            </a:r>
-            <a:endParaRPr lang="en-US" dirty="0"/>
-          </a:p>
-        </p:txBody>
-      </p:sp>
-    </p:spTree>
-    <p:extLst>
-      <p:ext uri="{BB962C8B-B14F-4D97-AF65-F5344CB8AC3E}">
-        <p14:creationId xmlns:p14="http://schemas.microsoft.com/office/powerpoint/2010/main" xmlns="" val="1618484116"/>
-      </p:ext>
-    </p:extLst>
-  </p:cSld>
-  <p:clrMapOvr>
-    <a:masterClrMapping/>
-  </p:clrMapOvr>
-</p:sld>
-</file>
-
-<file path=ppt/slides/slide4.xml><?xml version="1.0" encoding="utf-8"?>
-<p:sld xmlns:a="http://schemas.openxmlformats.org/drawingml/2006/main" xmlns:r="http://schemas.openxmlformats.org/officeDocument/2006/relationships" xmlns:p="http://schemas.openxmlformats.org/presentationml/2006/main">
-  <p:cSld>
-    <p:spTree>
-      <p:nvGrpSpPr>
-        <p:cNvPr id="1" name=""/>
-        <p:cNvGrpSpPr/>
-        <p:nvPr/>
-      </p:nvGrpSpPr>
-      <p:grpSpPr>
-        <a:xfrm>
-          <a:off x="0" y="0"/>
-          <a:ext cx="0" cy="0"/>
-          <a:chOff x="0" y="0"/>
-          <a:chExt cx="0" cy="0"/>
-        </a:xfrm>
-      </p:grpSpPr>
-      <p:sp>
-        <p:nvSpPr>
-          <p:cNvPr id="2" name="Title 1"/>
-          <p:cNvSpPr>
-            <a:spLocks noGrp="1"/>
-          </p:cNvSpPr>
-          <p:nvPr>
-            <p:ph type="title"/>
-          </p:nvPr>
-        </p:nvSpPr>
-        <p:spPr>
-          <a:xfrm>
-            <a:off x="903817" y="4372168"/>
-            <a:ext cx="7401983" cy="1143000"/>
-          </a:xfrm>
-        </p:spPr>
-        <p:txBody>
-          <a:bodyPr/>
-          <a:lstStyle/>
-          <a:p>
-            <a:r>
-              <a:rPr lang="en-US" dirty="0" smtClean="0"/>
-              <a:t>New Features</a:t>
-            </a:r>
-            <a:endParaRPr lang="en-US" dirty="0"/>
-          </a:p>
-        </p:txBody>
-      </p:sp>
-      <p:sp>
-        <p:nvSpPr>
-          <p:cNvPr id="3" name="Content Placeholder 2"/>
-          <p:cNvSpPr>
-            <a:spLocks noGrp="1"/>
-          </p:cNvSpPr>
-          <p:nvPr>
-            <p:ph sz="quarter" idx="13"/>
-          </p:nvPr>
-        </p:nvSpPr>
-        <p:spPr/>
-        <p:txBody>
-          <a:bodyPr/>
-          <a:lstStyle/>
-          <a:p>
-            <a:r>
-              <a:rPr lang="en-US" dirty="0" smtClean="0"/>
-              <a:t>Adding new devices to the account</a:t>
-            </a:r>
-          </a:p>
-          <a:p>
-            <a:r>
-              <a:rPr lang="en-US" dirty="0" smtClean="0"/>
-              <a:t>Displaying device information based on user session</a:t>
-            </a:r>
-          </a:p>
-          <a:p>
-            <a:pPr lvl="1"/>
-            <a:r>
-              <a:rPr lang="en-US" dirty="0" err="1" smtClean="0"/>
-              <a:t>Traceroutes</a:t>
-            </a:r>
-            <a:endParaRPr lang="en-US" dirty="0" smtClean="0"/>
-          </a:p>
-          <a:p>
-            <a:pPr lvl="1"/>
-            <a:r>
-              <a:rPr lang="en-US" dirty="0" err="1" smtClean="0"/>
-              <a:t>Keylogs</a:t>
-            </a:r>
-            <a:endParaRPr lang="en-US" dirty="0" smtClean="0"/>
-          </a:p>
-          <a:p>
-            <a:r>
-              <a:rPr lang="en-US" dirty="0" err="1" smtClean="0"/>
-              <a:t>GeogramOne</a:t>
-            </a:r>
-            <a:r>
-              <a:rPr lang="en-US" dirty="0" smtClean="0"/>
-              <a:t> sleeps and wakes on motion</a:t>
-            </a:r>
-          </a:p>
-          <a:p>
-            <a:pPr lvl="1"/>
-            <a:r>
-              <a:rPr lang="en-US" dirty="0" smtClean="0"/>
-              <a:t>Alerts server of the event and begins tracking</a:t>
-            </a:r>
-          </a:p>
-          <a:p>
-            <a:pPr marL="45720" indent="0">
-              <a:buNone/>
-            </a:pPr>
-            <a:endParaRPr lang="en-US" dirty="0" smtClean="0"/>
-          </a:p>
-        </p:txBody>
-      </p:sp>
-    </p:spTree>
-    <p:extLst>
-      <p:ext uri="{BB962C8B-B14F-4D97-AF65-F5344CB8AC3E}">
-        <p14:creationId xmlns:p14="http://schemas.microsoft.com/office/powerpoint/2010/main" xmlns="" val="1025294848"/>
-      </p:ext>
-    </p:extLst>
-  </p:cSld>
-  <p:clrMapOvr>
-    <a:masterClrMapping/>
-  </p:clrMapOvr>
-</p:sld>
-</file>
-
-<file path=ppt/slides/slide5.xml><?xml version="1.0" encoding="utf-8"?>
-<p:sld xmlns:a="http://schemas.openxmlformats.org/drawingml/2006/main" xmlns:r="http://schemas.openxmlformats.org/officeDocument/2006/relationships" xmlns:p="http://schemas.openxmlformats.org/presentationml/2006/main">
-  <p:cSld>
-    <p:spTree>
-      <p:nvGrpSpPr>
-        <p:cNvPr id="1" name=""/>
-        <p:cNvGrpSpPr/>
-        <p:nvPr/>
-      </p:nvGrpSpPr>
-      <p:grpSpPr>
-        <a:xfrm>
-          <a:off x="0" y="0"/>
-          <a:ext cx="0" cy="0"/>
-          <a:chOff x="0" y="0"/>
-          <a:chExt cx="0" cy="0"/>
-        </a:xfrm>
-      </p:grpSpPr>
-      <p:sp>
-        <p:nvSpPr>
-          <p:cNvPr id="2" name="Title 1"/>
-          <p:cNvSpPr>
-            <a:spLocks noGrp="1"/>
-          </p:cNvSpPr>
-          <p:nvPr>
-            <p:ph type="title"/>
-          </p:nvPr>
-        </p:nvSpPr>
-        <p:spPr>
-          <a:xfrm>
-            <a:off x="1143000" y="289360"/>
-            <a:ext cx="6512511" cy="1143000"/>
-          </a:xfrm>
-        </p:spPr>
-        <p:txBody>
-          <a:bodyPr/>
-          <a:lstStyle/>
-          <a:p>
-            <a:pPr marL="0" indent="0" algn="l">
-              <a:buNone/>
-            </a:pPr>
-            <a:r>
-              <a:rPr lang="en-US" dirty="0" smtClean="0"/>
-              <a:t>Server</a:t>
-            </a:r>
-            <a:endParaRPr lang="en-US" dirty="0"/>
-          </a:p>
-        </p:txBody>
-      </p:sp>
-      <p:sp>
-        <p:nvSpPr>
-          <p:cNvPr id="3" name="Content Placeholder 2"/>
-          <p:cNvSpPr>
-            <a:spLocks noGrp="1"/>
-          </p:cNvSpPr>
-          <p:nvPr>
-            <p:ph sz="quarter" idx="13"/>
-          </p:nvPr>
-        </p:nvSpPr>
-        <p:spPr>
-          <a:xfrm>
-            <a:off x="1143000" y="1695684"/>
-            <a:ext cx="6400800" cy="3474720"/>
-          </a:xfrm>
-        </p:spPr>
-        <p:txBody>
-          <a:bodyPr/>
-          <a:lstStyle/>
-          <a:p>
-            <a:r>
-              <a:rPr lang="en-US" dirty="0" smtClean="0"/>
-              <a:t>Implemented more functionality to the server’s internal communication</a:t>
-            </a:r>
-          </a:p>
-          <a:p>
-            <a:r>
-              <a:rPr lang="en-US" dirty="0" smtClean="0"/>
-              <a:t>Database functions needed in-order to update and insert new information into database </a:t>
-            </a:r>
-          </a:p>
-          <a:p>
-            <a:r>
-              <a:rPr lang="en-US" dirty="0" smtClean="0"/>
-              <a:t>Retrieving device data based on users’ session</a:t>
-            </a:r>
-            <a:endParaRPr lang="en-US" dirty="0"/>
-          </a:p>
-        </p:txBody>
-      </p:sp>
-    </p:spTree>
-    <p:extLst>
-      <p:ext uri="{BB962C8B-B14F-4D97-AF65-F5344CB8AC3E}">
-        <p14:creationId xmlns:p14="http://schemas.microsoft.com/office/powerpoint/2010/main" xmlns="" val="3777256071"/>
-      </p:ext>
-    </p:extLst>
-  </p:cSld>
-  <p:clrMapOvr>
-    <a:masterClrMapping/>
-  </p:clrMapOvr>
-</p:sld>
-</file>
-
-<file path=ppt/slides/slide6.xml><?xml version="1.0" encoding="utf-8"?>
-<p:sld xmlns:a="http://schemas.openxmlformats.org/drawingml/2006/main" xmlns:r="http://schemas.openxmlformats.org/officeDocument/2006/relationships" xmlns:p="http://schemas.openxmlformats.org/presentationml/2006/main">
-  <p:cSld>
-    <p:spTree>
-      <p:nvGrpSpPr>
-        <p:cNvPr id="1" name=""/>
-        <p:cNvGrpSpPr/>
-        <p:nvPr/>
-      </p:nvGrpSpPr>
-      <p:grpSpPr>
-        <a:xfrm>
-          <a:off x="0" y="0"/>
-          <a:ext cx="0" cy="0"/>
-          <a:chOff x="0" y="0"/>
-          <a:chExt cx="0" cy="0"/>
-        </a:xfrm>
-      </p:grpSpPr>
-      <p:sp>
-        <p:nvSpPr>
-          <p:cNvPr id="2" name="Title 1"/>
-          <p:cNvSpPr>
-            <a:spLocks noGrp="1"/>
-          </p:cNvSpPr>
-          <p:nvPr>
-            <p:ph type="title"/>
-          </p:nvPr>
-        </p:nvSpPr>
-        <p:spPr>
-          <a:xfrm>
-            <a:off x="683541" y="253077"/>
-            <a:ext cx="6512511" cy="1143000"/>
-          </a:xfrm>
-        </p:spPr>
-        <p:txBody>
-          <a:bodyPr/>
-          <a:lstStyle/>
-          <a:p>
-            <a:pPr marL="0" indent="0" algn="l">
-              <a:buNone/>
-            </a:pPr>
-            <a:r>
-              <a:rPr lang="en-US" dirty="0" smtClean="0"/>
-              <a:t>Device Hub</a:t>
-            </a:r>
-            <a:endParaRPr lang="en-US" dirty="0"/>
-          </a:p>
-        </p:txBody>
-      </p:sp>
-      <p:sp>
-        <p:nvSpPr>
-          <p:cNvPr id="3" name="Content Placeholder 2"/>
-          <p:cNvSpPr>
-            <a:spLocks noGrp="1"/>
-          </p:cNvSpPr>
-          <p:nvPr>
-            <p:ph sz="quarter" idx="13"/>
-          </p:nvPr>
-        </p:nvSpPr>
-        <p:spPr>
-          <a:xfrm>
-            <a:off x="1287200" y="1396076"/>
-            <a:ext cx="6638285" cy="4706455"/>
-          </a:xfrm>
-        </p:spPr>
-        <p:txBody>
-          <a:bodyPr>
-            <a:normAutofit/>
-          </a:bodyPr>
-          <a:lstStyle/>
-          <a:p>
-            <a:r>
-              <a:rPr lang="en-US" dirty="0" smtClean="0"/>
-              <a:t>Laptop “checks-in” with the server to see if the device has been reported stolen. If the stolen flag is set, the server sends commands to the laptop to retrieve data and start monitoring</a:t>
-            </a:r>
-          </a:p>
-          <a:p>
-            <a:r>
-              <a:rPr lang="en-US" dirty="0" smtClean="0"/>
-              <a:t>GPS device send coordinates to the server, the server parses the phone number and coordinates to store on database and push to the web socket</a:t>
-            </a:r>
-          </a:p>
-          <a:p>
-            <a:r>
-              <a:rPr lang="en-US" dirty="0" smtClean="0"/>
-              <a:t>Send commands to devices using the device IDs (</a:t>
-            </a:r>
-            <a:r>
-              <a:rPr lang="en-US" dirty="0" err="1" smtClean="0"/>
-              <a:t>Geogram</a:t>
-            </a:r>
-            <a:r>
-              <a:rPr lang="en-US" dirty="0" smtClean="0"/>
-              <a:t>: phone number	Laptop: MAC Address)</a:t>
-            </a:r>
-            <a:endParaRPr lang="en-US" dirty="0"/>
-          </a:p>
-        </p:txBody>
-      </p:sp>
-    </p:spTree>
-    <p:extLst>
-      <p:ext uri="{BB962C8B-B14F-4D97-AF65-F5344CB8AC3E}">
-        <p14:creationId xmlns:p14="http://schemas.microsoft.com/office/powerpoint/2010/main" xmlns="" val="1464219534"/>
-      </p:ext>
-    </p:extLst>
-  </p:cSld>
-  <p:clrMapOvr>
-    <a:masterClrMapping/>
-  </p:clrMapOvr>
-</p:sld>
-</file>
-
-<file path=ppt/slides/slide7.xml><?xml version="1.0" encoding="utf-8"?>
-<p:sld xmlns:a="http://schemas.openxmlformats.org/drawingml/2006/main" xmlns:r="http://schemas.openxmlformats.org/officeDocument/2006/relationships" xmlns:p="http://schemas.openxmlformats.org/presentationml/2006/main">
-  <p:cSld>
-    <p:spTree>
-      <p:nvGrpSpPr>
-        <p:cNvPr id="1" name=""/>
-        <p:cNvGrpSpPr/>
-        <p:nvPr/>
-      </p:nvGrpSpPr>
-      <p:grpSpPr>
-        <a:xfrm>
-          <a:off x="0" y="0"/>
-          <a:ext cx="0" cy="0"/>
-          <a:chOff x="0" y="0"/>
-          <a:chExt cx="0" cy="0"/>
-        </a:xfrm>
-      </p:grpSpPr>
-      <p:sp>
-        <p:nvSpPr>
-          <p:cNvPr id="2" name="Title 1"/>
-          <p:cNvSpPr>
-            <a:spLocks noGrp="1"/>
-          </p:cNvSpPr>
-          <p:nvPr>
-            <p:ph type="title"/>
-          </p:nvPr>
-        </p:nvSpPr>
-        <p:spPr>
-          <a:xfrm>
-            <a:off x="-922750" y="298764"/>
-            <a:ext cx="6512511" cy="1143000"/>
-          </a:xfrm>
-        </p:spPr>
-        <p:txBody>
-          <a:bodyPr/>
-          <a:lstStyle/>
-          <a:p>
-            <a:pPr>
-              <a:buNone/>
-            </a:pPr>
-            <a:r>
-              <a:rPr lang="en-US" dirty="0" smtClean="0"/>
-              <a:t>Windows Service</a:t>
-            </a:r>
-            <a:endParaRPr lang="en-US" dirty="0"/>
-          </a:p>
-        </p:txBody>
-      </p:sp>
-      <p:sp>
-        <p:nvSpPr>
-          <p:cNvPr id="3" name="Content Placeholder 2"/>
-          <p:cNvSpPr>
-            <a:spLocks noGrp="1"/>
-          </p:cNvSpPr>
-          <p:nvPr>
-            <p:ph sz="quarter" idx="13"/>
-          </p:nvPr>
-        </p:nvSpPr>
-        <p:spPr>
-          <a:xfrm>
-            <a:off x="1143000" y="2040448"/>
-            <a:ext cx="6400800" cy="3474720"/>
-          </a:xfrm>
-        </p:spPr>
-        <p:txBody>
-          <a:bodyPr/>
-          <a:lstStyle/>
-          <a:p>
-            <a:r>
-              <a:rPr lang="en-US" dirty="0" smtClean="0"/>
-              <a:t>Identifier and Stolen status stored in registry</a:t>
-            </a:r>
-          </a:p>
-          <a:p>
-            <a:r>
-              <a:rPr lang="en-US" dirty="0" smtClean="0"/>
-              <a:t>Reconnect to key-logger mid execution</a:t>
-            </a:r>
-          </a:p>
-          <a:p>
-            <a:r>
-              <a:rPr lang="en-US" dirty="0" smtClean="0"/>
-              <a:t>Other minor improvements</a:t>
-            </a:r>
-            <a:endParaRPr lang="en-US" dirty="0"/>
-          </a:p>
-        </p:txBody>
-      </p:sp>
-    </p:spTree>
-  </p:cSld>
-  <p:clrMapOvr>
-    <a:masterClrMapping/>
-  </p:clrMapOvr>
-</p:sld>
-</file>
-
-<file path=ppt/slides/slide8.xml><?xml version="1.0" encoding="utf-8"?>
+<file path=ppt/slides/slide10.xml><?xml version="1.0" encoding="utf-8"?>
 <p:sld xmlns:a="http://schemas.openxmlformats.org/drawingml/2006/main" xmlns:r="http://schemas.openxmlformats.org/officeDocument/2006/relationships" xmlns:p="http://schemas.openxmlformats.org/presentationml/2006/main">
   <p:cSld>
     <p:spTree>
@@ -5526,9 +4866,745 @@
     </p:spTree>
     <p:extLst>
       <p:ext uri="{BB962C8B-B14F-4D97-AF65-F5344CB8AC3E}">
-        <p14:creationId xmlns:p14="http://schemas.microsoft.com/office/powerpoint/2010/main" xmlns="" val="3038594488"/>
+        <p14:creationId xmlns:p14="http://schemas.microsoft.com/office/powerpoint/2010/main" val="3038594488"/>
       </p:ext>
     </p:extLst>
+  </p:cSld>
+  <p:clrMapOvr>
+    <a:masterClrMapping/>
+  </p:clrMapOvr>
+</p:sld>
+</file>
+
+<file path=ppt/slides/slide2.xml><?xml version="1.0" encoding="utf-8"?>
+<p:sld xmlns:a="http://schemas.openxmlformats.org/drawingml/2006/main" xmlns:r="http://schemas.openxmlformats.org/officeDocument/2006/relationships" xmlns:p="http://schemas.openxmlformats.org/presentationml/2006/main">
+  <p:cSld>
+    <p:spTree>
+      <p:nvGrpSpPr>
+        <p:cNvPr id="1" name=""/>
+        <p:cNvGrpSpPr/>
+        <p:nvPr/>
+      </p:nvGrpSpPr>
+      <p:grpSpPr>
+        <a:xfrm>
+          <a:off x="0" y="0"/>
+          <a:ext cx="0" cy="0"/>
+          <a:chOff x="0" y="0"/>
+          <a:chExt cx="0" cy="0"/>
+        </a:xfrm>
+      </p:grpSpPr>
+      <p:sp>
+        <p:nvSpPr>
+          <p:cNvPr id="2" name="Title 1"/>
+          <p:cNvSpPr>
+            <a:spLocks noGrp="1"/>
+          </p:cNvSpPr>
+          <p:nvPr>
+            <p:ph type="title"/>
+          </p:nvPr>
+        </p:nvSpPr>
+        <p:spPr>
+          <a:xfrm>
+            <a:off x="1143000" y="371669"/>
+            <a:ext cx="6512511" cy="1143000"/>
+          </a:xfrm>
+        </p:spPr>
+        <p:txBody>
+          <a:bodyPr/>
+          <a:lstStyle/>
+          <a:p>
+            <a:pPr marL="0" indent="0" algn="l">
+              <a:buNone/>
+            </a:pPr>
+            <a:r>
+              <a:rPr lang="en-US" dirty="0" smtClean="0"/>
+              <a:t>Overview</a:t>
+            </a:r>
+            <a:endParaRPr lang="en-US" dirty="0"/>
+          </a:p>
+        </p:txBody>
+      </p:sp>
+      <p:sp>
+        <p:nvSpPr>
+          <p:cNvPr id="3" name="Content Placeholder 2"/>
+          <p:cNvSpPr>
+            <a:spLocks noGrp="1"/>
+          </p:cNvSpPr>
+          <p:nvPr>
+            <p:ph sz="quarter" idx="13"/>
+          </p:nvPr>
+        </p:nvSpPr>
+        <p:spPr>
+          <a:xfrm>
+            <a:off x="1143000" y="1977895"/>
+            <a:ext cx="6400800" cy="3854198"/>
+          </a:xfrm>
+        </p:spPr>
+        <p:txBody>
+          <a:bodyPr/>
+          <a:lstStyle/>
+          <a:p>
+            <a:r>
+              <a:rPr lang="en-US" dirty="0" smtClean="0"/>
+              <a:t>Activate</a:t>
+            </a:r>
+          </a:p>
+          <a:p>
+            <a:r>
+              <a:rPr lang="en-US" dirty="0" smtClean="0"/>
+              <a:t>Identify</a:t>
+            </a:r>
+          </a:p>
+          <a:p>
+            <a:r>
+              <a:rPr lang="en-US" dirty="0" smtClean="0"/>
+              <a:t>Locate</a:t>
+            </a:r>
+          </a:p>
+          <a:p>
+            <a:r>
+              <a:rPr lang="en-US" dirty="0" smtClean="0"/>
+              <a:t>Communicate</a:t>
+            </a:r>
+          </a:p>
+          <a:p>
+            <a:endParaRPr lang="en-US" dirty="0" smtClean="0"/>
+          </a:p>
+          <a:p>
+            <a:pPr marL="45720" indent="0">
+              <a:buNone/>
+            </a:pPr>
+            <a:r>
+              <a:rPr lang="en-US" dirty="0" smtClean="0"/>
+              <a:t>A system to track stolen objects and get data that can be used to locate and retrieve the object</a:t>
+            </a:r>
+            <a:endParaRPr lang="en-US" dirty="0"/>
+          </a:p>
+        </p:txBody>
+      </p:sp>
+    </p:spTree>
+    <p:extLst>
+      <p:ext uri="{BB962C8B-B14F-4D97-AF65-F5344CB8AC3E}">
+        <p14:creationId xmlns:p14="http://schemas.microsoft.com/office/powerpoint/2010/main" val="881571815"/>
+      </p:ext>
+    </p:extLst>
+  </p:cSld>
+  <p:clrMapOvr>
+    <a:masterClrMapping/>
+  </p:clrMapOvr>
+</p:sld>
+</file>
+
+<file path=ppt/slides/slide3.xml><?xml version="1.0" encoding="utf-8"?>
+<p:sld xmlns:a="http://schemas.openxmlformats.org/drawingml/2006/main" xmlns:r="http://schemas.openxmlformats.org/officeDocument/2006/relationships" xmlns:p="http://schemas.openxmlformats.org/presentationml/2006/main">
+  <p:cSld>
+    <p:spTree>
+      <p:nvGrpSpPr>
+        <p:cNvPr id="1" name=""/>
+        <p:cNvGrpSpPr/>
+        <p:nvPr/>
+      </p:nvGrpSpPr>
+      <p:grpSpPr>
+        <a:xfrm>
+          <a:off x="0" y="0"/>
+          <a:ext cx="0" cy="0"/>
+          <a:chOff x="0" y="0"/>
+          <a:chExt cx="0" cy="0"/>
+        </a:xfrm>
+      </p:grpSpPr>
+      <p:sp>
+        <p:nvSpPr>
+          <p:cNvPr id="2" name="Title 1"/>
+          <p:cNvSpPr>
+            <a:spLocks noGrp="1"/>
+          </p:cNvSpPr>
+          <p:nvPr>
+            <p:ph type="title"/>
+          </p:nvPr>
+        </p:nvSpPr>
+        <p:spPr>
+          <a:xfrm>
+            <a:off x="889471" y="356055"/>
+            <a:ext cx="6512511" cy="1143000"/>
+          </a:xfrm>
+        </p:spPr>
+        <p:txBody>
+          <a:bodyPr/>
+          <a:lstStyle/>
+          <a:p>
+            <a:pPr marL="0" indent="0" algn="l">
+              <a:buNone/>
+            </a:pPr>
+            <a:r>
+              <a:rPr lang="en-US" dirty="0" smtClean="0"/>
+              <a:t>Cycle Intent</a:t>
+            </a:r>
+            <a:endParaRPr lang="en-US" dirty="0"/>
+          </a:p>
+        </p:txBody>
+      </p:sp>
+      <p:sp>
+        <p:nvSpPr>
+          <p:cNvPr id="4" name="TextBox 3"/>
+          <p:cNvSpPr txBox="1"/>
+          <p:nvPr/>
+        </p:nvSpPr>
+        <p:spPr>
+          <a:xfrm>
+            <a:off x="889472" y="1899358"/>
+            <a:ext cx="7588682" cy="1754327"/>
+          </a:xfrm>
+          <a:prstGeom prst="rect">
+            <a:avLst/>
+          </a:prstGeom>
+          <a:noFill/>
+        </p:spPr>
+        <p:txBody>
+          <a:bodyPr wrap="square" rtlCol="0">
+            <a:spAutoFit/>
+          </a:bodyPr>
+          <a:lstStyle/>
+          <a:p>
+            <a:r>
+              <a:rPr lang="en-US" dirty="0" smtClean="0"/>
+              <a:t>Main focus on internal server communications and displaying of data on web view</a:t>
+            </a:r>
+          </a:p>
+          <a:p>
+            <a:endParaRPr lang="en-US" dirty="0" smtClean="0"/>
+          </a:p>
+          <a:p>
+            <a:r>
+              <a:rPr lang="en-US" dirty="0" smtClean="0"/>
+              <a:t>Functions for different queries to the database</a:t>
+            </a:r>
+          </a:p>
+          <a:p>
+            <a:endParaRPr lang="en-US" dirty="0" smtClean="0"/>
+          </a:p>
+          <a:p>
+            <a:r>
+              <a:rPr lang="en-US" dirty="0" smtClean="0"/>
+              <a:t>No major updates to Windows Service</a:t>
+            </a:r>
+            <a:endParaRPr lang="en-US" dirty="0"/>
+          </a:p>
+        </p:txBody>
+      </p:sp>
+    </p:spTree>
+    <p:extLst>
+      <p:ext uri="{BB962C8B-B14F-4D97-AF65-F5344CB8AC3E}">
+        <p14:creationId xmlns:p14="http://schemas.microsoft.com/office/powerpoint/2010/main" val="1618484116"/>
+      </p:ext>
+    </p:extLst>
+  </p:cSld>
+  <p:clrMapOvr>
+    <a:masterClrMapping/>
+  </p:clrMapOvr>
+</p:sld>
+</file>
+
+<file path=ppt/slides/slide4.xml><?xml version="1.0" encoding="utf-8"?>
+<p:sld xmlns:a="http://schemas.openxmlformats.org/drawingml/2006/main" xmlns:r="http://schemas.openxmlformats.org/officeDocument/2006/relationships" xmlns:p="http://schemas.openxmlformats.org/presentationml/2006/main">
+  <p:cSld>
+    <p:spTree>
+      <p:nvGrpSpPr>
+        <p:cNvPr id="1" name=""/>
+        <p:cNvGrpSpPr/>
+        <p:nvPr/>
+      </p:nvGrpSpPr>
+      <p:grpSpPr>
+        <a:xfrm>
+          <a:off x="0" y="0"/>
+          <a:ext cx="0" cy="0"/>
+          <a:chOff x="0" y="0"/>
+          <a:chExt cx="0" cy="0"/>
+        </a:xfrm>
+      </p:grpSpPr>
+      <p:sp>
+        <p:nvSpPr>
+          <p:cNvPr id="2" name="Title 1"/>
+          <p:cNvSpPr>
+            <a:spLocks noGrp="1"/>
+          </p:cNvSpPr>
+          <p:nvPr>
+            <p:ph type="title"/>
+          </p:nvPr>
+        </p:nvSpPr>
+        <p:spPr>
+          <a:xfrm>
+            <a:off x="903817" y="4372168"/>
+            <a:ext cx="7401983" cy="1143000"/>
+          </a:xfrm>
+        </p:spPr>
+        <p:txBody>
+          <a:bodyPr/>
+          <a:lstStyle/>
+          <a:p>
+            <a:r>
+              <a:rPr lang="en-US" dirty="0" smtClean="0"/>
+              <a:t>New Features</a:t>
+            </a:r>
+            <a:endParaRPr lang="en-US" dirty="0"/>
+          </a:p>
+        </p:txBody>
+      </p:sp>
+      <p:sp>
+        <p:nvSpPr>
+          <p:cNvPr id="3" name="Content Placeholder 2"/>
+          <p:cNvSpPr>
+            <a:spLocks noGrp="1"/>
+          </p:cNvSpPr>
+          <p:nvPr>
+            <p:ph sz="quarter" idx="13"/>
+          </p:nvPr>
+        </p:nvSpPr>
+        <p:spPr/>
+        <p:txBody>
+          <a:bodyPr/>
+          <a:lstStyle/>
+          <a:p>
+            <a:r>
+              <a:rPr lang="en-US" dirty="0" smtClean="0"/>
+              <a:t>Adding new devices to the account</a:t>
+            </a:r>
+          </a:p>
+          <a:p>
+            <a:r>
+              <a:rPr lang="en-US" dirty="0" smtClean="0"/>
+              <a:t>Displaying device information based on user session</a:t>
+            </a:r>
+          </a:p>
+          <a:p>
+            <a:pPr lvl="1"/>
+            <a:r>
+              <a:rPr lang="en-US" dirty="0" err="1" smtClean="0"/>
+              <a:t>Traceroutes</a:t>
+            </a:r>
+            <a:endParaRPr lang="en-US" dirty="0" smtClean="0"/>
+          </a:p>
+          <a:p>
+            <a:pPr lvl="1"/>
+            <a:r>
+              <a:rPr lang="en-US" dirty="0" err="1" smtClean="0"/>
+              <a:t>Keylogs</a:t>
+            </a:r>
+            <a:endParaRPr lang="en-US" dirty="0" smtClean="0"/>
+          </a:p>
+          <a:p>
+            <a:r>
+              <a:rPr lang="en-US" dirty="0" err="1" smtClean="0"/>
+              <a:t>GeogramOne</a:t>
+            </a:r>
+            <a:r>
+              <a:rPr lang="en-US" dirty="0" smtClean="0"/>
+              <a:t> sleeps and wakes on motion</a:t>
+            </a:r>
+          </a:p>
+          <a:p>
+            <a:pPr lvl="1"/>
+            <a:r>
+              <a:rPr lang="en-US" dirty="0" smtClean="0"/>
+              <a:t>Alerts server of the event and begins tracking</a:t>
+            </a:r>
+          </a:p>
+          <a:p>
+            <a:pPr marL="45720" indent="0">
+              <a:buNone/>
+            </a:pPr>
+            <a:endParaRPr lang="en-US" dirty="0" smtClean="0"/>
+          </a:p>
+        </p:txBody>
+      </p:sp>
+    </p:spTree>
+    <p:extLst>
+      <p:ext uri="{BB962C8B-B14F-4D97-AF65-F5344CB8AC3E}">
+        <p14:creationId xmlns:p14="http://schemas.microsoft.com/office/powerpoint/2010/main" val="1025294848"/>
+      </p:ext>
+    </p:extLst>
+  </p:cSld>
+  <p:clrMapOvr>
+    <a:masterClrMapping/>
+  </p:clrMapOvr>
+</p:sld>
+</file>
+
+<file path=ppt/slides/slide5.xml><?xml version="1.0" encoding="utf-8"?>
+<p:sld xmlns:a="http://schemas.openxmlformats.org/drawingml/2006/main" xmlns:r="http://schemas.openxmlformats.org/officeDocument/2006/relationships" xmlns:p="http://schemas.openxmlformats.org/presentationml/2006/main">
+  <p:cSld>
+    <p:spTree>
+      <p:nvGrpSpPr>
+        <p:cNvPr id="1" name=""/>
+        <p:cNvGrpSpPr/>
+        <p:nvPr/>
+      </p:nvGrpSpPr>
+      <p:grpSpPr>
+        <a:xfrm>
+          <a:off x="0" y="0"/>
+          <a:ext cx="0" cy="0"/>
+          <a:chOff x="0" y="0"/>
+          <a:chExt cx="0" cy="0"/>
+        </a:xfrm>
+      </p:grpSpPr>
+      <p:sp>
+        <p:nvSpPr>
+          <p:cNvPr id="2" name="Title 1"/>
+          <p:cNvSpPr>
+            <a:spLocks noGrp="1"/>
+          </p:cNvSpPr>
+          <p:nvPr>
+            <p:ph type="title"/>
+          </p:nvPr>
+        </p:nvSpPr>
+        <p:spPr/>
+        <p:txBody>
+          <a:bodyPr/>
+          <a:lstStyle/>
+          <a:p>
+            <a:pPr marL="0" indent="0">
+              <a:buNone/>
+            </a:pPr>
+            <a:r>
+              <a:rPr lang="en-US" dirty="0" smtClean="0"/>
+              <a:t>User Stories</a:t>
+            </a:r>
+            <a:endParaRPr lang="en-US" dirty="0"/>
+          </a:p>
+        </p:txBody>
+      </p:sp>
+      <p:sp>
+        <p:nvSpPr>
+          <p:cNvPr id="3" name="Content Placeholder 2"/>
+          <p:cNvSpPr>
+            <a:spLocks noGrp="1"/>
+          </p:cNvSpPr>
+          <p:nvPr>
+            <p:ph sz="quarter" idx="13"/>
+          </p:nvPr>
+        </p:nvSpPr>
+        <p:spPr/>
+        <p:txBody>
+          <a:bodyPr/>
+          <a:lstStyle/>
+          <a:p>
+            <a:endParaRPr lang="en-US" dirty="0"/>
+          </a:p>
+        </p:txBody>
+      </p:sp>
+    </p:spTree>
+    <p:extLst>
+      <p:ext uri="{BB962C8B-B14F-4D97-AF65-F5344CB8AC3E}">
+        <p14:creationId xmlns:p14="http://schemas.microsoft.com/office/powerpoint/2010/main" val="2323172678"/>
+      </p:ext>
+    </p:extLst>
+  </p:cSld>
+  <p:clrMapOvr>
+    <a:masterClrMapping/>
+  </p:clrMapOvr>
+</p:sld>
+</file>
+
+<file path=ppt/slides/slide6.xml><?xml version="1.0" encoding="utf-8"?>
+<p:sld xmlns:a="http://schemas.openxmlformats.org/drawingml/2006/main" xmlns:r="http://schemas.openxmlformats.org/officeDocument/2006/relationships" xmlns:p="http://schemas.openxmlformats.org/presentationml/2006/main">
+  <p:cSld>
+    <p:spTree>
+      <p:nvGrpSpPr>
+        <p:cNvPr id="1" name=""/>
+        <p:cNvGrpSpPr/>
+        <p:nvPr/>
+      </p:nvGrpSpPr>
+      <p:grpSpPr>
+        <a:xfrm>
+          <a:off x="0" y="0"/>
+          <a:ext cx="0" cy="0"/>
+          <a:chOff x="0" y="0"/>
+          <a:chExt cx="0" cy="0"/>
+        </a:xfrm>
+      </p:grpSpPr>
+      <p:sp>
+        <p:nvSpPr>
+          <p:cNvPr id="2" name="Title 1"/>
+          <p:cNvSpPr>
+            <a:spLocks noGrp="1"/>
+          </p:cNvSpPr>
+          <p:nvPr>
+            <p:ph type="title"/>
+          </p:nvPr>
+        </p:nvSpPr>
+        <p:spPr>
+          <a:xfrm>
+            <a:off x="1143000" y="289360"/>
+            <a:ext cx="6512511" cy="1143000"/>
+          </a:xfrm>
+        </p:spPr>
+        <p:txBody>
+          <a:bodyPr/>
+          <a:lstStyle/>
+          <a:p>
+            <a:pPr marL="0" indent="0" algn="l">
+              <a:buNone/>
+            </a:pPr>
+            <a:r>
+              <a:rPr lang="en-US" dirty="0" smtClean="0"/>
+              <a:t>Server</a:t>
+            </a:r>
+            <a:endParaRPr lang="en-US" dirty="0"/>
+          </a:p>
+        </p:txBody>
+      </p:sp>
+      <p:sp>
+        <p:nvSpPr>
+          <p:cNvPr id="3" name="Content Placeholder 2"/>
+          <p:cNvSpPr>
+            <a:spLocks noGrp="1"/>
+          </p:cNvSpPr>
+          <p:nvPr>
+            <p:ph sz="quarter" idx="13"/>
+          </p:nvPr>
+        </p:nvSpPr>
+        <p:spPr>
+          <a:xfrm>
+            <a:off x="1143000" y="1695684"/>
+            <a:ext cx="6400800" cy="3474720"/>
+          </a:xfrm>
+        </p:spPr>
+        <p:txBody>
+          <a:bodyPr/>
+          <a:lstStyle/>
+          <a:p>
+            <a:r>
+              <a:rPr lang="en-US" dirty="0" smtClean="0"/>
+              <a:t>Implemented more functionality to the server’s internal communication</a:t>
+            </a:r>
+          </a:p>
+          <a:p>
+            <a:r>
+              <a:rPr lang="en-US" dirty="0" smtClean="0"/>
+              <a:t>Database functions needed in-order to update and insert new information into database </a:t>
+            </a:r>
+          </a:p>
+          <a:p>
+            <a:r>
+              <a:rPr lang="en-US" dirty="0" smtClean="0"/>
+              <a:t>Retrieving device data based on users’ session</a:t>
+            </a:r>
+            <a:endParaRPr lang="en-US" dirty="0"/>
+          </a:p>
+        </p:txBody>
+      </p:sp>
+    </p:spTree>
+    <p:extLst>
+      <p:ext uri="{BB962C8B-B14F-4D97-AF65-F5344CB8AC3E}">
+        <p14:creationId xmlns:p14="http://schemas.microsoft.com/office/powerpoint/2010/main" val="3777256071"/>
+      </p:ext>
+    </p:extLst>
+  </p:cSld>
+  <p:clrMapOvr>
+    <a:masterClrMapping/>
+  </p:clrMapOvr>
+</p:sld>
+</file>
+
+<file path=ppt/slides/slide7.xml><?xml version="1.0" encoding="utf-8"?>
+<p:sld xmlns:a="http://schemas.openxmlformats.org/drawingml/2006/main" xmlns:r="http://schemas.openxmlformats.org/officeDocument/2006/relationships" xmlns:p="http://schemas.openxmlformats.org/presentationml/2006/main">
+  <p:cSld>
+    <p:spTree>
+      <p:nvGrpSpPr>
+        <p:cNvPr id="1" name=""/>
+        <p:cNvGrpSpPr/>
+        <p:nvPr/>
+      </p:nvGrpSpPr>
+      <p:grpSpPr>
+        <a:xfrm>
+          <a:off x="0" y="0"/>
+          <a:ext cx="0" cy="0"/>
+          <a:chOff x="0" y="0"/>
+          <a:chExt cx="0" cy="0"/>
+        </a:xfrm>
+      </p:grpSpPr>
+      <p:sp>
+        <p:nvSpPr>
+          <p:cNvPr id="2" name="Title 1"/>
+          <p:cNvSpPr>
+            <a:spLocks noGrp="1"/>
+          </p:cNvSpPr>
+          <p:nvPr>
+            <p:ph type="title"/>
+          </p:nvPr>
+        </p:nvSpPr>
+        <p:spPr>
+          <a:xfrm>
+            <a:off x="683541" y="253077"/>
+            <a:ext cx="6512511" cy="1143000"/>
+          </a:xfrm>
+        </p:spPr>
+        <p:txBody>
+          <a:bodyPr/>
+          <a:lstStyle/>
+          <a:p>
+            <a:pPr marL="0" indent="0" algn="l">
+              <a:buNone/>
+            </a:pPr>
+            <a:r>
+              <a:rPr lang="en-US" dirty="0" smtClean="0"/>
+              <a:t>Device Hub</a:t>
+            </a:r>
+            <a:endParaRPr lang="en-US" dirty="0"/>
+          </a:p>
+        </p:txBody>
+      </p:sp>
+      <p:sp>
+        <p:nvSpPr>
+          <p:cNvPr id="3" name="Content Placeholder 2"/>
+          <p:cNvSpPr>
+            <a:spLocks noGrp="1"/>
+          </p:cNvSpPr>
+          <p:nvPr>
+            <p:ph sz="quarter" idx="13"/>
+          </p:nvPr>
+        </p:nvSpPr>
+        <p:spPr>
+          <a:xfrm>
+            <a:off x="1287200" y="1396076"/>
+            <a:ext cx="6638285" cy="4706455"/>
+          </a:xfrm>
+        </p:spPr>
+        <p:txBody>
+          <a:bodyPr>
+            <a:normAutofit/>
+          </a:bodyPr>
+          <a:lstStyle/>
+          <a:p>
+            <a:r>
+              <a:rPr lang="en-US" dirty="0" smtClean="0"/>
+              <a:t>Laptop “checks-in” with the server to see if the device has been reported stolen. If the stolen flag is set, the server sends commands to the laptop to retrieve data and start monitoring</a:t>
+            </a:r>
+          </a:p>
+          <a:p>
+            <a:r>
+              <a:rPr lang="en-US" dirty="0" smtClean="0"/>
+              <a:t>GPS device send coordinates to the server, the server parses the phone number and coordinates to store on database and push to the web socket</a:t>
+            </a:r>
+          </a:p>
+          <a:p>
+            <a:r>
+              <a:rPr lang="en-US" dirty="0" smtClean="0"/>
+              <a:t>Send commands to devices using the device IDs (</a:t>
+            </a:r>
+            <a:r>
+              <a:rPr lang="en-US" dirty="0" err="1" smtClean="0"/>
+              <a:t>Geogram</a:t>
+            </a:r>
+            <a:r>
+              <a:rPr lang="en-US" dirty="0" smtClean="0"/>
+              <a:t>: phone number	Laptop: MAC Address)</a:t>
+            </a:r>
+            <a:endParaRPr lang="en-US" dirty="0"/>
+          </a:p>
+        </p:txBody>
+      </p:sp>
+    </p:spTree>
+    <p:extLst>
+      <p:ext uri="{BB962C8B-B14F-4D97-AF65-F5344CB8AC3E}">
+        <p14:creationId xmlns:p14="http://schemas.microsoft.com/office/powerpoint/2010/main" val="1464219534"/>
+      </p:ext>
+    </p:extLst>
+  </p:cSld>
+  <p:clrMapOvr>
+    <a:masterClrMapping/>
+  </p:clrMapOvr>
+</p:sld>
+</file>
+
+<file path=ppt/slides/slide8.xml><?xml version="1.0" encoding="utf-8"?>
+<p:sld xmlns:a="http://schemas.openxmlformats.org/drawingml/2006/main" xmlns:r="http://schemas.openxmlformats.org/officeDocument/2006/relationships" xmlns:p="http://schemas.openxmlformats.org/presentationml/2006/main">
+  <p:cSld>
+    <p:spTree>
+      <p:nvGrpSpPr>
+        <p:cNvPr id="1" name=""/>
+        <p:cNvGrpSpPr/>
+        <p:nvPr/>
+      </p:nvGrpSpPr>
+      <p:grpSpPr>
+        <a:xfrm>
+          <a:off x="0" y="0"/>
+          <a:ext cx="0" cy="0"/>
+          <a:chOff x="0" y="0"/>
+          <a:chExt cx="0" cy="0"/>
+        </a:xfrm>
+      </p:grpSpPr>
+      <p:sp>
+        <p:nvSpPr>
+          <p:cNvPr id="2" name="Title 1"/>
+          <p:cNvSpPr>
+            <a:spLocks noGrp="1"/>
+          </p:cNvSpPr>
+          <p:nvPr>
+            <p:ph type="title"/>
+          </p:nvPr>
+        </p:nvSpPr>
+        <p:spPr>
+          <a:xfrm>
+            <a:off x="-922750" y="298764"/>
+            <a:ext cx="6512511" cy="1143000"/>
+          </a:xfrm>
+        </p:spPr>
+        <p:txBody>
+          <a:bodyPr/>
+          <a:lstStyle/>
+          <a:p>
+            <a:pPr>
+              <a:buNone/>
+            </a:pPr>
+            <a:r>
+              <a:rPr lang="en-US" dirty="0" smtClean="0"/>
+              <a:t>Windows Service</a:t>
+            </a:r>
+            <a:endParaRPr lang="en-US" dirty="0"/>
+          </a:p>
+        </p:txBody>
+      </p:sp>
+      <p:sp>
+        <p:nvSpPr>
+          <p:cNvPr id="3" name="Content Placeholder 2"/>
+          <p:cNvSpPr>
+            <a:spLocks noGrp="1"/>
+          </p:cNvSpPr>
+          <p:nvPr>
+            <p:ph sz="quarter" idx="13"/>
+          </p:nvPr>
+        </p:nvSpPr>
+        <p:spPr>
+          <a:xfrm>
+            <a:off x="1143000" y="2040448"/>
+            <a:ext cx="6400800" cy="3474720"/>
+          </a:xfrm>
+        </p:spPr>
+        <p:txBody>
+          <a:bodyPr/>
+          <a:lstStyle/>
+          <a:p>
+            <a:r>
+              <a:rPr lang="en-US" dirty="0" smtClean="0"/>
+              <a:t>Identifier and Stolen status stored in registry</a:t>
+            </a:r>
+          </a:p>
+          <a:p>
+            <a:r>
+              <a:rPr lang="en-US" dirty="0" smtClean="0"/>
+              <a:t>Reconnect to key-logger mid execution</a:t>
+            </a:r>
+          </a:p>
+          <a:p>
+            <a:r>
+              <a:rPr lang="en-US" dirty="0" smtClean="0"/>
+              <a:t>Other minor improvements</a:t>
+            </a:r>
+            <a:endParaRPr lang="en-US" dirty="0"/>
+          </a:p>
+        </p:txBody>
+      </p:sp>
+    </p:spTree>
   </p:cSld>
   <p:clrMapOvr>
     <a:masterClrMapping/>
@@ -5629,7 +5705,7 @@
     </p:spTree>
     <p:extLst>
       <p:ext uri="{BB962C8B-B14F-4D97-AF65-F5344CB8AC3E}">
-        <p14:creationId xmlns:p14="http://schemas.microsoft.com/office/powerpoint/2010/main" xmlns="" val="115980194"/>
+        <p14:creationId xmlns:p14="http://schemas.microsoft.com/office/powerpoint/2010/main" val="115980194"/>
       </p:ext>
     </p:extLst>
   </p:cSld>

--- a/documentation/cycle 2/Cycle2Presentation.pptx
+++ b/documentation/cycle 2/Cycle2Presentation.pptx
@@ -4,17 +4,22 @@
   <p:sldMasterIdLst>
     <p:sldMasterId id="2147483960" r:id="rId1"/>
   </p:sldMasterIdLst>
+  <p:notesMasterIdLst>
+    <p:notesMasterId r:id="rId14"/>
+  </p:notesMasterIdLst>
   <p:sldIdLst>
     <p:sldId id="256" r:id="rId2"/>
     <p:sldId id="266" r:id="rId3"/>
-    <p:sldId id="258" r:id="rId4"/>
-    <p:sldId id="259" r:id="rId5"/>
-    <p:sldId id="268" r:id="rId6"/>
-    <p:sldId id="265" r:id="rId7"/>
-    <p:sldId id="264" r:id="rId8"/>
-    <p:sldId id="267" r:id="rId9"/>
-    <p:sldId id="261" r:id="rId10"/>
-    <p:sldId id="263" r:id="rId11"/>
+    <p:sldId id="270" r:id="rId4"/>
+    <p:sldId id="258" r:id="rId5"/>
+    <p:sldId id="259" r:id="rId6"/>
+    <p:sldId id="268" r:id="rId7"/>
+    <p:sldId id="265" r:id="rId8"/>
+    <p:sldId id="264" r:id="rId9"/>
+    <p:sldId id="267" r:id="rId10"/>
+    <p:sldId id="261" r:id="rId11"/>
+    <p:sldId id="269" r:id="rId12"/>
+    <p:sldId id="263" r:id="rId13"/>
   </p:sldIdLst>
   <p:sldSz cx="9144000" cy="6858000" type="screen4x3"/>
   <p:notesSz cx="6858000" cy="9144000"/>
@@ -116,6 +121,1324 @@
 </p:presentation>
 </file>
 
+<file path=ppt/notesMasters/notesMaster1.xml><?xml version="1.0" encoding="utf-8"?>
+<p:notesMaster xmlns:a="http://schemas.openxmlformats.org/drawingml/2006/main" xmlns:r="http://schemas.openxmlformats.org/officeDocument/2006/relationships" xmlns:p="http://schemas.openxmlformats.org/presentationml/2006/main">
+  <p:cSld>
+    <p:bg>
+      <p:bgRef idx="1001">
+        <a:schemeClr val="bg1"/>
+      </p:bgRef>
+    </p:bg>
+    <p:spTree>
+      <p:nvGrpSpPr>
+        <p:cNvPr id="1" name=""/>
+        <p:cNvGrpSpPr/>
+        <p:nvPr/>
+      </p:nvGrpSpPr>
+      <p:grpSpPr>
+        <a:xfrm>
+          <a:off x="0" y="0"/>
+          <a:ext cx="0" cy="0"/>
+          <a:chOff x="0" y="0"/>
+          <a:chExt cx="0" cy="0"/>
+        </a:xfrm>
+      </p:grpSpPr>
+      <p:sp>
+        <p:nvSpPr>
+          <p:cNvPr id="2" name="Header Placeholder 1"/>
+          <p:cNvSpPr>
+            <a:spLocks noGrp="1"/>
+          </p:cNvSpPr>
+          <p:nvPr>
+            <p:ph type="hdr" sz="quarter"/>
+          </p:nvPr>
+        </p:nvSpPr>
+        <p:spPr>
+          <a:xfrm>
+            <a:off x="0" y="0"/>
+            <a:ext cx="2971800" cy="457200"/>
+          </a:xfrm>
+          <a:prstGeom prst="rect">
+            <a:avLst/>
+          </a:prstGeom>
+        </p:spPr>
+        <p:txBody>
+          <a:bodyPr vert="horz" lIns="91440" tIns="45720" rIns="91440" bIns="45720" rtlCol="0"/>
+          <a:lstStyle>
+            <a:lvl1pPr algn="l">
+              <a:defRPr sz="1200"/>
+            </a:lvl1pPr>
+          </a:lstStyle>
+          <a:p>
+            <a:endParaRPr lang="en-US"/>
+          </a:p>
+        </p:txBody>
+      </p:sp>
+      <p:sp>
+        <p:nvSpPr>
+          <p:cNvPr id="3" name="Date Placeholder 2"/>
+          <p:cNvSpPr>
+            <a:spLocks noGrp="1"/>
+          </p:cNvSpPr>
+          <p:nvPr>
+            <p:ph type="dt" idx="1"/>
+          </p:nvPr>
+        </p:nvSpPr>
+        <p:spPr>
+          <a:xfrm>
+            <a:off x="3884613" y="0"/>
+            <a:ext cx="2971800" cy="457200"/>
+          </a:xfrm>
+          <a:prstGeom prst="rect">
+            <a:avLst/>
+          </a:prstGeom>
+        </p:spPr>
+        <p:txBody>
+          <a:bodyPr vert="horz" lIns="91440" tIns="45720" rIns="91440" bIns="45720" rtlCol="0"/>
+          <a:lstStyle>
+            <a:lvl1pPr algn="r">
+              <a:defRPr sz="1200"/>
+            </a:lvl1pPr>
+          </a:lstStyle>
+          <a:p>
+            <a:fld id="{AD1FFEDD-316F-9746-A646-5D47E772E697}" type="datetimeFigureOut">
+              <a:rPr lang="en-US" smtClean="0"/>
+              <a:t>4/1/14</a:t>
+            </a:fld>
+            <a:endParaRPr lang="en-US"/>
+          </a:p>
+        </p:txBody>
+      </p:sp>
+      <p:sp>
+        <p:nvSpPr>
+          <p:cNvPr id="4" name="Slide Image Placeholder 3"/>
+          <p:cNvSpPr>
+            <a:spLocks noGrp="1" noRot="1" noChangeAspect="1"/>
+          </p:cNvSpPr>
+          <p:nvPr>
+            <p:ph type="sldImg" idx="2"/>
+          </p:nvPr>
+        </p:nvSpPr>
+        <p:spPr>
+          <a:xfrm>
+            <a:off x="1143000" y="685800"/>
+            <a:ext cx="4572000" cy="3429000"/>
+          </a:xfrm>
+          <a:prstGeom prst="rect">
+            <a:avLst/>
+          </a:prstGeom>
+          <a:noFill/>
+          <a:ln w="12700">
+            <a:solidFill>
+              <a:prstClr val="black"/>
+            </a:solidFill>
+          </a:ln>
+        </p:spPr>
+        <p:txBody>
+          <a:bodyPr vert="horz" lIns="91440" tIns="45720" rIns="91440" bIns="45720" rtlCol="0" anchor="ctr"/>
+          <a:lstStyle/>
+          <a:p>
+            <a:endParaRPr lang="en-US"/>
+          </a:p>
+        </p:txBody>
+      </p:sp>
+      <p:sp>
+        <p:nvSpPr>
+          <p:cNvPr id="5" name="Notes Placeholder 4"/>
+          <p:cNvSpPr>
+            <a:spLocks noGrp="1"/>
+          </p:cNvSpPr>
+          <p:nvPr>
+            <p:ph type="body" sz="quarter" idx="3"/>
+          </p:nvPr>
+        </p:nvSpPr>
+        <p:spPr>
+          <a:xfrm>
+            <a:off x="685800" y="4343400"/>
+            <a:ext cx="5486400" cy="4114800"/>
+          </a:xfrm>
+          <a:prstGeom prst="rect">
+            <a:avLst/>
+          </a:prstGeom>
+        </p:spPr>
+        <p:txBody>
+          <a:bodyPr vert="horz" lIns="91440" tIns="45720" rIns="91440" bIns="45720" rtlCol="0"/>
+          <a:lstStyle/>
+          <a:p>
+            <a:pPr lvl="0"/>
+            <a:r>
+              <a:rPr lang="en-US" smtClean="0"/>
+              <a:t>Click to edit Master text styles</a:t>
+            </a:r>
+          </a:p>
+          <a:p>
+            <a:pPr lvl="1"/>
+            <a:r>
+              <a:rPr lang="en-US" smtClean="0"/>
+              <a:t>Second level</a:t>
+            </a:r>
+          </a:p>
+          <a:p>
+            <a:pPr lvl="2"/>
+            <a:r>
+              <a:rPr lang="en-US" smtClean="0"/>
+              <a:t>Third level</a:t>
+            </a:r>
+          </a:p>
+          <a:p>
+            <a:pPr lvl="3"/>
+            <a:r>
+              <a:rPr lang="en-US" smtClean="0"/>
+              <a:t>Fourth level</a:t>
+            </a:r>
+          </a:p>
+          <a:p>
+            <a:pPr lvl="4"/>
+            <a:r>
+              <a:rPr lang="en-US" smtClean="0"/>
+              <a:t>Fifth level</a:t>
+            </a:r>
+            <a:endParaRPr lang="en-US"/>
+          </a:p>
+        </p:txBody>
+      </p:sp>
+      <p:sp>
+        <p:nvSpPr>
+          <p:cNvPr id="6" name="Footer Placeholder 5"/>
+          <p:cNvSpPr>
+            <a:spLocks noGrp="1"/>
+          </p:cNvSpPr>
+          <p:nvPr>
+            <p:ph type="ftr" sz="quarter" idx="4"/>
+          </p:nvPr>
+        </p:nvSpPr>
+        <p:spPr>
+          <a:xfrm>
+            <a:off x="0" y="8685213"/>
+            <a:ext cx="2971800" cy="457200"/>
+          </a:xfrm>
+          <a:prstGeom prst="rect">
+            <a:avLst/>
+          </a:prstGeom>
+        </p:spPr>
+        <p:txBody>
+          <a:bodyPr vert="horz" lIns="91440" tIns="45720" rIns="91440" bIns="45720" rtlCol="0" anchor="b"/>
+          <a:lstStyle>
+            <a:lvl1pPr algn="l">
+              <a:defRPr sz="1200"/>
+            </a:lvl1pPr>
+          </a:lstStyle>
+          <a:p>
+            <a:endParaRPr lang="en-US"/>
+          </a:p>
+        </p:txBody>
+      </p:sp>
+      <p:sp>
+        <p:nvSpPr>
+          <p:cNvPr id="7" name="Slide Number Placeholder 6"/>
+          <p:cNvSpPr>
+            <a:spLocks noGrp="1"/>
+          </p:cNvSpPr>
+          <p:nvPr>
+            <p:ph type="sldNum" sz="quarter" idx="5"/>
+          </p:nvPr>
+        </p:nvSpPr>
+        <p:spPr>
+          <a:xfrm>
+            <a:off x="3884613" y="8685213"/>
+            <a:ext cx="2971800" cy="457200"/>
+          </a:xfrm>
+          <a:prstGeom prst="rect">
+            <a:avLst/>
+          </a:prstGeom>
+        </p:spPr>
+        <p:txBody>
+          <a:bodyPr vert="horz" lIns="91440" tIns="45720" rIns="91440" bIns="45720" rtlCol="0" anchor="b"/>
+          <a:lstStyle>
+            <a:lvl1pPr algn="r">
+              <a:defRPr sz="1200"/>
+            </a:lvl1pPr>
+          </a:lstStyle>
+          <a:p>
+            <a:fld id="{BB891512-5314-4249-8B20-F090D56A0564}" type="slidenum">
+              <a:rPr lang="en-US" smtClean="0"/>
+              <a:t>‹#›</a:t>
+            </a:fld>
+            <a:endParaRPr lang="en-US"/>
+          </a:p>
+        </p:txBody>
+      </p:sp>
+    </p:spTree>
+    <p:extLst>
+      <p:ext uri="{BB962C8B-B14F-4D97-AF65-F5344CB8AC3E}">
+        <p14:creationId xmlns:p14="http://schemas.microsoft.com/office/powerpoint/2010/main" val="726398520"/>
+      </p:ext>
+    </p:extLst>
+  </p:cSld>
+  <p:clrMap bg1="lt1" tx1="dk1" bg2="lt2" tx2="dk2" accent1="accent1" accent2="accent2" accent3="accent3" accent4="accent4" accent5="accent5" accent6="accent6" hlink="hlink" folHlink="folHlink"/>
+  <p:notesStyle>
+    <a:lvl1pPr marL="0" algn="l" defTabSz="457200" rtl="0" eaLnBrk="1" latinLnBrk="0" hangingPunct="1">
+      <a:defRPr sz="1200" kern="1200">
+        <a:solidFill>
+          <a:schemeClr val="tx1"/>
+        </a:solidFill>
+        <a:latin typeface="+mn-lt"/>
+        <a:ea typeface="+mn-ea"/>
+        <a:cs typeface="+mn-cs"/>
+      </a:defRPr>
+    </a:lvl1pPr>
+    <a:lvl2pPr marL="457200" algn="l" defTabSz="457200" rtl="0" eaLnBrk="1" latinLnBrk="0" hangingPunct="1">
+      <a:defRPr sz="1200" kern="1200">
+        <a:solidFill>
+          <a:schemeClr val="tx1"/>
+        </a:solidFill>
+        <a:latin typeface="+mn-lt"/>
+        <a:ea typeface="+mn-ea"/>
+        <a:cs typeface="+mn-cs"/>
+      </a:defRPr>
+    </a:lvl2pPr>
+    <a:lvl3pPr marL="914400" algn="l" defTabSz="457200" rtl="0" eaLnBrk="1" latinLnBrk="0" hangingPunct="1">
+      <a:defRPr sz="1200" kern="1200">
+        <a:solidFill>
+          <a:schemeClr val="tx1"/>
+        </a:solidFill>
+        <a:latin typeface="+mn-lt"/>
+        <a:ea typeface="+mn-ea"/>
+        <a:cs typeface="+mn-cs"/>
+      </a:defRPr>
+    </a:lvl3pPr>
+    <a:lvl4pPr marL="1371600" algn="l" defTabSz="457200" rtl="0" eaLnBrk="1" latinLnBrk="0" hangingPunct="1">
+      <a:defRPr sz="1200" kern="1200">
+        <a:solidFill>
+          <a:schemeClr val="tx1"/>
+        </a:solidFill>
+        <a:latin typeface="+mn-lt"/>
+        <a:ea typeface="+mn-ea"/>
+        <a:cs typeface="+mn-cs"/>
+      </a:defRPr>
+    </a:lvl4pPr>
+    <a:lvl5pPr marL="1828800" algn="l" defTabSz="457200" rtl="0" eaLnBrk="1" latinLnBrk="0" hangingPunct="1">
+      <a:defRPr sz="1200" kern="1200">
+        <a:solidFill>
+          <a:schemeClr val="tx1"/>
+        </a:solidFill>
+        <a:latin typeface="+mn-lt"/>
+        <a:ea typeface="+mn-ea"/>
+        <a:cs typeface="+mn-cs"/>
+      </a:defRPr>
+    </a:lvl5pPr>
+    <a:lvl6pPr marL="2286000" algn="l" defTabSz="457200" rtl="0" eaLnBrk="1" latinLnBrk="0" hangingPunct="1">
+      <a:defRPr sz="1200" kern="1200">
+        <a:solidFill>
+          <a:schemeClr val="tx1"/>
+        </a:solidFill>
+        <a:latin typeface="+mn-lt"/>
+        <a:ea typeface="+mn-ea"/>
+        <a:cs typeface="+mn-cs"/>
+      </a:defRPr>
+    </a:lvl6pPr>
+    <a:lvl7pPr marL="2743200" algn="l" defTabSz="457200" rtl="0" eaLnBrk="1" latinLnBrk="0" hangingPunct="1">
+      <a:defRPr sz="1200" kern="1200">
+        <a:solidFill>
+          <a:schemeClr val="tx1"/>
+        </a:solidFill>
+        <a:latin typeface="+mn-lt"/>
+        <a:ea typeface="+mn-ea"/>
+        <a:cs typeface="+mn-cs"/>
+      </a:defRPr>
+    </a:lvl7pPr>
+    <a:lvl8pPr marL="3200400" algn="l" defTabSz="457200" rtl="0" eaLnBrk="1" latinLnBrk="0" hangingPunct="1">
+      <a:defRPr sz="1200" kern="1200">
+        <a:solidFill>
+          <a:schemeClr val="tx1"/>
+        </a:solidFill>
+        <a:latin typeface="+mn-lt"/>
+        <a:ea typeface="+mn-ea"/>
+        <a:cs typeface="+mn-cs"/>
+      </a:defRPr>
+    </a:lvl8pPr>
+    <a:lvl9pPr marL="3657600" algn="l" defTabSz="457200" rtl="0" eaLnBrk="1" latinLnBrk="0" hangingPunct="1">
+      <a:defRPr sz="1200" kern="1200">
+        <a:solidFill>
+          <a:schemeClr val="tx1"/>
+        </a:solidFill>
+        <a:latin typeface="+mn-lt"/>
+        <a:ea typeface="+mn-ea"/>
+        <a:cs typeface="+mn-cs"/>
+      </a:defRPr>
+    </a:lvl9pPr>
+  </p:notesStyle>
+</p:notesMaster>
+</file>
+
+<file path=ppt/notesSlides/notesSlide1.xml><?xml version="1.0" encoding="utf-8"?>
+<p:notes xmlns:a="http://schemas.openxmlformats.org/drawingml/2006/main" xmlns:r="http://schemas.openxmlformats.org/officeDocument/2006/relationships" xmlns:p="http://schemas.openxmlformats.org/presentationml/2006/main">
+  <p:cSld>
+    <p:spTree>
+      <p:nvGrpSpPr>
+        <p:cNvPr id="1" name=""/>
+        <p:cNvGrpSpPr/>
+        <p:nvPr/>
+      </p:nvGrpSpPr>
+      <p:grpSpPr>
+        <a:xfrm>
+          <a:off x="0" y="0"/>
+          <a:ext cx="0" cy="0"/>
+          <a:chOff x="0" y="0"/>
+          <a:chExt cx="0" cy="0"/>
+        </a:xfrm>
+      </p:grpSpPr>
+      <p:sp>
+        <p:nvSpPr>
+          <p:cNvPr id="2" name="Slide Image Placeholder 1"/>
+          <p:cNvSpPr>
+            <a:spLocks noGrp="1" noRot="1" noChangeAspect="1"/>
+          </p:cNvSpPr>
+          <p:nvPr>
+            <p:ph type="sldImg"/>
+          </p:nvPr>
+        </p:nvSpPr>
+        <p:spPr/>
+      </p:sp>
+      <p:sp>
+        <p:nvSpPr>
+          <p:cNvPr id="3" name="Notes Placeholder 2"/>
+          <p:cNvSpPr>
+            <a:spLocks noGrp="1"/>
+          </p:cNvSpPr>
+          <p:nvPr>
+            <p:ph type="body" idx="1"/>
+          </p:nvPr>
+        </p:nvSpPr>
+        <p:spPr/>
+        <p:txBody>
+          <a:bodyPr/>
+          <a:lstStyle/>
+          <a:p>
+            <a:r>
+              <a:rPr lang="en-US" dirty="0" smtClean="0"/>
+              <a:t>NATHAN</a:t>
+            </a:r>
+            <a:endParaRPr lang="en-US" dirty="0"/>
+          </a:p>
+        </p:txBody>
+      </p:sp>
+      <p:sp>
+        <p:nvSpPr>
+          <p:cNvPr id="4" name="Slide Number Placeholder 3"/>
+          <p:cNvSpPr>
+            <a:spLocks noGrp="1"/>
+          </p:cNvSpPr>
+          <p:nvPr>
+            <p:ph type="sldNum" sz="quarter" idx="10"/>
+          </p:nvPr>
+        </p:nvSpPr>
+        <p:spPr/>
+        <p:txBody>
+          <a:bodyPr/>
+          <a:lstStyle/>
+          <a:p>
+            <a:fld id="{BB891512-5314-4249-8B20-F090D56A0564}" type="slidenum">
+              <a:rPr lang="en-US" smtClean="0"/>
+              <a:t>2</a:t>
+            </a:fld>
+            <a:endParaRPr lang="en-US"/>
+          </a:p>
+        </p:txBody>
+      </p:sp>
+    </p:spTree>
+    <p:extLst>
+      <p:ext uri="{BB962C8B-B14F-4D97-AF65-F5344CB8AC3E}">
+        <p14:creationId xmlns:p14="http://schemas.microsoft.com/office/powerpoint/2010/main" val="3964541603"/>
+      </p:ext>
+    </p:extLst>
+  </p:cSld>
+  <p:clrMapOvr>
+    <a:masterClrMapping/>
+  </p:clrMapOvr>
+</p:notes>
+</file>
+
+<file path=ppt/notesSlides/notesSlide10.xml><?xml version="1.0" encoding="utf-8"?>
+<p:notes xmlns:a="http://schemas.openxmlformats.org/drawingml/2006/main" xmlns:r="http://schemas.openxmlformats.org/officeDocument/2006/relationships" xmlns:p="http://schemas.openxmlformats.org/presentationml/2006/main">
+  <p:cSld>
+    <p:spTree>
+      <p:nvGrpSpPr>
+        <p:cNvPr id="1" name=""/>
+        <p:cNvGrpSpPr/>
+        <p:nvPr/>
+      </p:nvGrpSpPr>
+      <p:grpSpPr>
+        <a:xfrm>
+          <a:off x="0" y="0"/>
+          <a:ext cx="0" cy="0"/>
+          <a:chOff x="0" y="0"/>
+          <a:chExt cx="0" cy="0"/>
+        </a:xfrm>
+      </p:grpSpPr>
+      <p:sp>
+        <p:nvSpPr>
+          <p:cNvPr id="2" name="Slide Image Placeholder 1"/>
+          <p:cNvSpPr>
+            <a:spLocks noGrp="1" noRot="1" noChangeAspect="1"/>
+          </p:cNvSpPr>
+          <p:nvPr>
+            <p:ph type="sldImg"/>
+          </p:nvPr>
+        </p:nvSpPr>
+        <p:spPr/>
+      </p:sp>
+      <p:sp>
+        <p:nvSpPr>
+          <p:cNvPr id="3" name="Notes Placeholder 2"/>
+          <p:cNvSpPr>
+            <a:spLocks noGrp="1"/>
+          </p:cNvSpPr>
+          <p:nvPr>
+            <p:ph type="body" idx="1"/>
+          </p:nvPr>
+        </p:nvSpPr>
+        <p:spPr/>
+        <p:txBody>
+          <a:bodyPr/>
+          <a:lstStyle/>
+          <a:p>
+            <a:r>
+              <a:rPr lang="en-US" dirty="0" smtClean="0"/>
+              <a:t>STEVEN</a:t>
+            </a:r>
+            <a:endParaRPr lang="en-US" dirty="0"/>
+          </a:p>
+        </p:txBody>
+      </p:sp>
+      <p:sp>
+        <p:nvSpPr>
+          <p:cNvPr id="4" name="Slide Number Placeholder 3"/>
+          <p:cNvSpPr>
+            <a:spLocks noGrp="1"/>
+          </p:cNvSpPr>
+          <p:nvPr>
+            <p:ph type="sldNum" sz="quarter" idx="10"/>
+          </p:nvPr>
+        </p:nvSpPr>
+        <p:spPr/>
+        <p:txBody>
+          <a:bodyPr/>
+          <a:lstStyle/>
+          <a:p>
+            <a:fld id="{BB891512-5314-4249-8B20-F090D56A0564}" type="slidenum">
+              <a:rPr lang="en-US" smtClean="0"/>
+              <a:t>11</a:t>
+            </a:fld>
+            <a:endParaRPr lang="en-US"/>
+          </a:p>
+        </p:txBody>
+      </p:sp>
+    </p:spTree>
+    <p:extLst>
+      <p:ext uri="{BB962C8B-B14F-4D97-AF65-F5344CB8AC3E}">
+        <p14:creationId xmlns:p14="http://schemas.microsoft.com/office/powerpoint/2010/main" val="1317739674"/>
+      </p:ext>
+    </p:extLst>
+  </p:cSld>
+  <p:clrMapOvr>
+    <a:masterClrMapping/>
+  </p:clrMapOvr>
+</p:notes>
+</file>
+
+<file path=ppt/notesSlides/notesSlide11.xml><?xml version="1.0" encoding="utf-8"?>
+<p:notes xmlns:a="http://schemas.openxmlformats.org/drawingml/2006/main" xmlns:r="http://schemas.openxmlformats.org/officeDocument/2006/relationships" xmlns:p="http://schemas.openxmlformats.org/presentationml/2006/main">
+  <p:cSld>
+    <p:spTree>
+      <p:nvGrpSpPr>
+        <p:cNvPr id="1" name=""/>
+        <p:cNvGrpSpPr/>
+        <p:nvPr/>
+      </p:nvGrpSpPr>
+      <p:grpSpPr>
+        <a:xfrm>
+          <a:off x="0" y="0"/>
+          <a:ext cx="0" cy="0"/>
+          <a:chOff x="0" y="0"/>
+          <a:chExt cx="0" cy="0"/>
+        </a:xfrm>
+      </p:grpSpPr>
+      <p:sp>
+        <p:nvSpPr>
+          <p:cNvPr id="2" name="Slide Image Placeholder 1"/>
+          <p:cNvSpPr>
+            <a:spLocks noGrp="1" noRot="1" noChangeAspect="1"/>
+          </p:cNvSpPr>
+          <p:nvPr>
+            <p:ph type="sldImg"/>
+          </p:nvPr>
+        </p:nvSpPr>
+        <p:spPr/>
+      </p:sp>
+      <p:sp>
+        <p:nvSpPr>
+          <p:cNvPr id="3" name="Notes Placeholder 2"/>
+          <p:cNvSpPr>
+            <a:spLocks noGrp="1"/>
+          </p:cNvSpPr>
+          <p:nvPr>
+            <p:ph type="body" idx="1"/>
+          </p:nvPr>
+        </p:nvSpPr>
+        <p:spPr/>
+        <p:txBody>
+          <a:bodyPr/>
+          <a:lstStyle/>
+          <a:p>
+            <a:r>
+              <a:rPr lang="en-US" dirty="0" smtClean="0"/>
+              <a:t>STEVEN</a:t>
+            </a:r>
+            <a:endParaRPr lang="en-US" dirty="0"/>
+          </a:p>
+        </p:txBody>
+      </p:sp>
+      <p:sp>
+        <p:nvSpPr>
+          <p:cNvPr id="4" name="Slide Number Placeholder 3"/>
+          <p:cNvSpPr>
+            <a:spLocks noGrp="1"/>
+          </p:cNvSpPr>
+          <p:nvPr>
+            <p:ph type="sldNum" sz="quarter" idx="10"/>
+          </p:nvPr>
+        </p:nvSpPr>
+        <p:spPr/>
+        <p:txBody>
+          <a:bodyPr/>
+          <a:lstStyle/>
+          <a:p>
+            <a:fld id="{BB891512-5314-4249-8B20-F090D56A0564}" type="slidenum">
+              <a:rPr lang="en-US" smtClean="0"/>
+              <a:t>12</a:t>
+            </a:fld>
+            <a:endParaRPr lang="en-US"/>
+          </a:p>
+        </p:txBody>
+      </p:sp>
+    </p:spTree>
+    <p:extLst>
+      <p:ext uri="{BB962C8B-B14F-4D97-AF65-F5344CB8AC3E}">
+        <p14:creationId xmlns:p14="http://schemas.microsoft.com/office/powerpoint/2010/main" val="1355775705"/>
+      </p:ext>
+    </p:extLst>
+  </p:cSld>
+  <p:clrMapOvr>
+    <a:masterClrMapping/>
+  </p:clrMapOvr>
+</p:notes>
+</file>
+
+<file path=ppt/notesSlides/notesSlide2.xml><?xml version="1.0" encoding="utf-8"?>
+<p:notes xmlns:a="http://schemas.openxmlformats.org/drawingml/2006/main" xmlns:r="http://schemas.openxmlformats.org/officeDocument/2006/relationships" xmlns:p="http://schemas.openxmlformats.org/presentationml/2006/main">
+  <p:cSld>
+    <p:spTree>
+      <p:nvGrpSpPr>
+        <p:cNvPr id="1" name=""/>
+        <p:cNvGrpSpPr/>
+        <p:nvPr/>
+      </p:nvGrpSpPr>
+      <p:grpSpPr>
+        <a:xfrm>
+          <a:off x="0" y="0"/>
+          <a:ext cx="0" cy="0"/>
+          <a:chOff x="0" y="0"/>
+          <a:chExt cx="0" cy="0"/>
+        </a:xfrm>
+      </p:grpSpPr>
+      <p:sp>
+        <p:nvSpPr>
+          <p:cNvPr id="2" name="Slide Image Placeholder 1"/>
+          <p:cNvSpPr>
+            <a:spLocks noGrp="1" noRot="1" noChangeAspect="1"/>
+          </p:cNvSpPr>
+          <p:nvPr>
+            <p:ph type="sldImg"/>
+          </p:nvPr>
+        </p:nvSpPr>
+        <p:spPr/>
+      </p:sp>
+      <p:sp>
+        <p:nvSpPr>
+          <p:cNvPr id="3" name="Notes Placeholder 2"/>
+          <p:cNvSpPr>
+            <a:spLocks noGrp="1"/>
+          </p:cNvSpPr>
+          <p:nvPr>
+            <p:ph type="body" idx="1"/>
+          </p:nvPr>
+        </p:nvSpPr>
+        <p:spPr/>
+        <p:txBody>
+          <a:bodyPr/>
+          <a:lstStyle/>
+          <a:p>
+            <a:r>
+              <a:rPr lang="en-US" dirty="0" smtClean="0"/>
+              <a:t>NATHAN</a:t>
+            </a:r>
+            <a:endParaRPr lang="en-US" dirty="0"/>
+          </a:p>
+        </p:txBody>
+      </p:sp>
+      <p:sp>
+        <p:nvSpPr>
+          <p:cNvPr id="4" name="Slide Number Placeholder 3"/>
+          <p:cNvSpPr>
+            <a:spLocks noGrp="1"/>
+          </p:cNvSpPr>
+          <p:nvPr>
+            <p:ph type="sldNum" sz="quarter" idx="10"/>
+          </p:nvPr>
+        </p:nvSpPr>
+        <p:spPr/>
+        <p:txBody>
+          <a:bodyPr/>
+          <a:lstStyle/>
+          <a:p>
+            <a:fld id="{BB891512-5314-4249-8B20-F090D56A0564}" type="slidenum">
+              <a:rPr lang="en-US" smtClean="0"/>
+              <a:t>3</a:t>
+            </a:fld>
+            <a:endParaRPr lang="en-US"/>
+          </a:p>
+        </p:txBody>
+      </p:sp>
+    </p:spTree>
+    <p:extLst>
+      <p:ext uri="{BB962C8B-B14F-4D97-AF65-F5344CB8AC3E}">
+        <p14:creationId xmlns:p14="http://schemas.microsoft.com/office/powerpoint/2010/main" val="4266053112"/>
+      </p:ext>
+    </p:extLst>
+  </p:cSld>
+  <p:clrMapOvr>
+    <a:masterClrMapping/>
+  </p:clrMapOvr>
+</p:notes>
+</file>
+
+<file path=ppt/notesSlides/notesSlide3.xml><?xml version="1.0" encoding="utf-8"?>
+<p:notes xmlns:a="http://schemas.openxmlformats.org/drawingml/2006/main" xmlns:r="http://schemas.openxmlformats.org/officeDocument/2006/relationships" xmlns:p="http://schemas.openxmlformats.org/presentationml/2006/main">
+  <p:cSld>
+    <p:spTree>
+      <p:nvGrpSpPr>
+        <p:cNvPr id="1" name=""/>
+        <p:cNvGrpSpPr/>
+        <p:nvPr/>
+      </p:nvGrpSpPr>
+      <p:grpSpPr>
+        <a:xfrm>
+          <a:off x="0" y="0"/>
+          <a:ext cx="0" cy="0"/>
+          <a:chOff x="0" y="0"/>
+          <a:chExt cx="0" cy="0"/>
+        </a:xfrm>
+      </p:grpSpPr>
+      <p:sp>
+        <p:nvSpPr>
+          <p:cNvPr id="2" name="Slide Image Placeholder 1"/>
+          <p:cNvSpPr>
+            <a:spLocks noGrp="1" noRot="1" noChangeAspect="1"/>
+          </p:cNvSpPr>
+          <p:nvPr>
+            <p:ph type="sldImg"/>
+          </p:nvPr>
+        </p:nvSpPr>
+        <p:spPr/>
+      </p:sp>
+      <p:sp>
+        <p:nvSpPr>
+          <p:cNvPr id="3" name="Notes Placeholder 2"/>
+          <p:cNvSpPr>
+            <a:spLocks noGrp="1"/>
+          </p:cNvSpPr>
+          <p:nvPr>
+            <p:ph type="body" idx="1"/>
+          </p:nvPr>
+        </p:nvSpPr>
+        <p:spPr/>
+        <p:txBody>
+          <a:bodyPr/>
+          <a:lstStyle/>
+          <a:p>
+            <a:r>
+              <a:rPr lang="en-US" dirty="0" smtClean="0"/>
+              <a:t>DENNEY</a:t>
+            </a:r>
+            <a:endParaRPr lang="en-US" dirty="0"/>
+          </a:p>
+        </p:txBody>
+      </p:sp>
+      <p:sp>
+        <p:nvSpPr>
+          <p:cNvPr id="4" name="Slide Number Placeholder 3"/>
+          <p:cNvSpPr>
+            <a:spLocks noGrp="1"/>
+          </p:cNvSpPr>
+          <p:nvPr>
+            <p:ph type="sldNum" sz="quarter" idx="10"/>
+          </p:nvPr>
+        </p:nvSpPr>
+        <p:spPr/>
+        <p:txBody>
+          <a:bodyPr/>
+          <a:lstStyle/>
+          <a:p>
+            <a:fld id="{BB891512-5314-4249-8B20-F090D56A0564}" type="slidenum">
+              <a:rPr lang="en-US" smtClean="0"/>
+              <a:t>4</a:t>
+            </a:fld>
+            <a:endParaRPr lang="en-US"/>
+          </a:p>
+        </p:txBody>
+      </p:sp>
+    </p:spTree>
+    <p:extLst>
+      <p:ext uri="{BB962C8B-B14F-4D97-AF65-F5344CB8AC3E}">
+        <p14:creationId xmlns:p14="http://schemas.microsoft.com/office/powerpoint/2010/main" val="198697537"/>
+      </p:ext>
+    </p:extLst>
+  </p:cSld>
+  <p:clrMapOvr>
+    <a:masterClrMapping/>
+  </p:clrMapOvr>
+</p:notes>
+</file>
+
+<file path=ppt/notesSlides/notesSlide4.xml><?xml version="1.0" encoding="utf-8"?>
+<p:notes xmlns:a="http://schemas.openxmlformats.org/drawingml/2006/main" xmlns:r="http://schemas.openxmlformats.org/officeDocument/2006/relationships" xmlns:p="http://schemas.openxmlformats.org/presentationml/2006/main">
+  <p:cSld>
+    <p:spTree>
+      <p:nvGrpSpPr>
+        <p:cNvPr id="1" name=""/>
+        <p:cNvGrpSpPr/>
+        <p:nvPr/>
+      </p:nvGrpSpPr>
+      <p:grpSpPr>
+        <a:xfrm>
+          <a:off x="0" y="0"/>
+          <a:ext cx="0" cy="0"/>
+          <a:chOff x="0" y="0"/>
+          <a:chExt cx="0" cy="0"/>
+        </a:xfrm>
+      </p:grpSpPr>
+      <p:sp>
+        <p:nvSpPr>
+          <p:cNvPr id="2" name="Slide Image Placeholder 1"/>
+          <p:cNvSpPr>
+            <a:spLocks noGrp="1" noRot="1" noChangeAspect="1"/>
+          </p:cNvSpPr>
+          <p:nvPr>
+            <p:ph type="sldImg"/>
+          </p:nvPr>
+        </p:nvSpPr>
+        <p:spPr/>
+      </p:sp>
+      <p:sp>
+        <p:nvSpPr>
+          <p:cNvPr id="3" name="Notes Placeholder 2"/>
+          <p:cNvSpPr>
+            <a:spLocks noGrp="1"/>
+          </p:cNvSpPr>
+          <p:nvPr>
+            <p:ph type="body" idx="1"/>
+          </p:nvPr>
+        </p:nvSpPr>
+        <p:spPr/>
+        <p:txBody>
+          <a:bodyPr/>
+          <a:lstStyle/>
+          <a:p>
+            <a:r>
+              <a:rPr lang="en-US" dirty="0" smtClean="0"/>
+              <a:t>LEO</a:t>
+            </a:r>
+            <a:endParaRPr lang="en-US" dirty="0"/>
+          </a:p>
+        </p:txBody>
+      </p:sp>
+      <p:sp>
+        <p:nvSpPr>
+          <p:cNvPr id="4" name="Slide Number Placeholder 3"/>
+          <p:cNvSpPr>
+            <a:spLocks noGrp="1"/>
+          </p:cNvSpPr>
+          <p:nvPr>
+            <p:ph type="sldNum" sz="quarter" idx="10"/>
+          </p:nvPr>
+        </p:nvSpPr>
+        <p:spPr/>
+        <p:txBody>
+          <a:bodyPr/>
+          <a:lstStyle/>
+          <a:p>
+            <a:fld id="{BB891512-5314-4249-8B20-F090D56A0564}" type="slidenum">
+              <a:rPr lang="en-US" smtClean="0"/>
+              <a:t>5</a:t>
+            </a:fld>
+            <a:endParaRPr lang="en-US"/>
+          </a:p>
+        </p:txBody>
+      </p:sp>
+    </p:spTree>
+    <p:extLst>
+      <p:ext uri="{BB962C8B-B14F-4D97-AF65-F5344CB8AC3E}">
+        <p14:creationId xmlns:p14="http://schemas.microsoft.com/office/powerpoint/2010/main" val="4084220424"/>
+      </p:ext>
+    </p:extLst>
+  </p:cSld>
+  <p:clrMapOvr>
+    <a:masterClrMapping/>
+  </p:clrMapOvr>
+</p:notes>
+</file>
+
+<file path=ppt/notesSlides/notesSlide5.xml><?xml version="1.0" encoding="utf-8"?>
+<p:notes xmlns:a="http://schemas.openxmlformats.org/drawingml/2006/main" xmlns:r="http://schemas.openxmlformats.org/officeDocument/2006/relationships" xmlns:p="http://schemas.openxmlformats.org/presentationml/2006/main">
+  <p:cSld>
+    <p:spTree>
+      <p:nvGrpSpPr>
+        <p:cNvPr id="1" name=""/>
+        <p:cNvGrpSpPr/>
+        <p:nvPr/>
+      </p:nvGrpSpPr>
+      <p:grpSpPr>
+        <a:xfrm>
+          <a:off x="0" y="0"/>
+          <a:ext cx="0" cy="0"/>
+          <a:chOff x="0" y="0"/>
+          <a:chExt cx="0" cy="0"/>
+        </a:xfrm>
+      </p:grpSpPr>
+      <p:sp>
+        <p:nvSpPr>
+          <p:cNvPr id="2" name="Slide Image Placeholder 1"/>
+          <p:cNvSpPr>
+            <a:spLocks noGrp="1" noRot="1" noChangeAspect="1"/>
+          </p:cNvSpPr>
+          <p:nvPr>
+            <p:ph type="sldImg"/>
+          </p:nvPr>
+        </p:nvSpPr>
+        <p:spPr/>
+      </p:sp>
+      <p:sp>
+        <p:nvSpPr>
+          <p:cNvPr id="3" name="Notes Placeholder 2"/>
+          <p:cNvSpPr>
+            <a:spLocks noGrp="1"/>
+          </p:cNvSpPr>
+          <p:nvPr>
+            <p:ph type="body" idx="1"/>
+          </p:nvPr>
+        </p:nvSpPr>
+        <p:spPr/>
+        <p:txBody>
+          <a:bodyPr/>
+          <a:lstStyle/>
+          <a:p>
+            <a:r>
+              <a:rPr lang="en-US" dirty="0" smtClean="0"/>
+              <a:t>DENNEY</a:t>
+            </a:r>
+            <a:endParaRPr lang="en-US" dirty="0"/>
+          </a:p>
+        </p:txBody>
+      </p:sp>
+      <p:sp>
+        <p:nvSpPr>
+          <p:cNvPr id="4" name="Slide Number Placeholder 3"/>
+          <p:cNvSpPr>
+            <a:spLocks noGrp="1"/>
+          </p:cNvSpPr>
+          <p:nvPr>
+            <p:ph type="sldNum" sz="quarter" idx="10"/>
+          </p:nvPr>
+        </p:nvSpPr>
+        <p:spPr/>
+        <p:txBody>
+          <a:bodyPr/>
+          <a:lstStyle/>
+          <a:p>
+            <a:fld id="{BB891512-5314-4249-8B20-F090D56A0564}" type="slidenum">
+              <a:rPr lang="en-US" smtClean="0"/>
+              <a:t>6</a:t>
+            </a:fld>
+            <a:endParaRPr lang="en-US"/>
+          </a:p>
+        </p:txBody>
+      </p:sp>
+    </p:spTree>
+    <p:extLst>
+      <p:ext uri="{BB962C8B-B14F-4D97-AF65-F5344CB8AC3E}">
+        <p14:creationId xmlns:p14="http://schemas.microsoft.com/office/powerpoint/2010/main" val="3034779685"/>
+      </p:ext>
+    </p:extLst>
+  </p:cSld>
+  <p:clrMapOvr>
+    <a:masterClrMapping/>
+  </p:clrMapOvr>
+</p:notes>
+</file>
+
+<file path=ppt/notesSlides/notesSlide6.xml><?xml version="1.0" encoding="utf-8"?>
+<p:notes xmlns:a="http://schemas.openxmlformats.org/drawingml/2006/main" xmlns:r="http://schemas.openxmlformats.org/officeDocument/2006/relationships" xmlns:p="http://schemas.openxmlformats.org/presentationml/2006/main">
+  <p:cSld>
+    <p:spTree>
+      <p:nvGrpSpPr>
+        <p:cNvPr id="1" name=""/>
+        <p:cNvGrpSpPr/>
+        <p:nvPr/>
+      </p:nvGrpSpPr>
+      <p:grpSpPr>
+        <a:xfrm>
+          <a:off x="0" y="0"/>
+          <a:ext cx="0" cy="0"/>
+          <a:chOff x="0" y="0"/>
+          <a:chExt cx="0" cy="0"/>
+        </a:xfrm>
+      </p:grpSpPr>
+      <p:sp>
+        <p:nvSpPr>
+          <p:cNvPr id="2" name="Slide Image Placeholder 1"/>
+          <p:cNvSpPr>
+            <a:spLocks noGrp="1" noRot="1" noChangeAspect="1"/>
+          </p:cNvSpPr>
+          <p:nvPr>
+            <p:ph type="sldImg"/>
+          </p:nvPr>
+        </p:nvSpPr>
+        <p:spPr/>
+      </p:sp>
+      <p:sp>
+        <p:nvSpPr>
+          <p:cNvPr id="3" name="Notes Placeholder 2"/>
+          <p:cNvSpPr>
+            <a:spLocks noGrp="1"/>
+          </p:cNvSpPr>
+          <p:nvPr>
+            <p:ph type="body" idx="1"/>
+          </p:nvPr>
+        </p:nvSpPr>
+        <p:spPr/>
+        <p:txBody>
+          <a:bodyPr/>
+          <a:lstStyle/>
+          <a:p>
+            <a:r>
+              <a:rPr lang="en-US" dirty="0" smtClean="0"/>
+              <a:t>LEO</a:t>
+            </a:r>
+            <a:endParaRPr lang="en-US" dirty="0"/>
+          </a:p>
+        </p:txBody>
+      </p:sp>
+      <p:sp>
+        <p:nvSpPr>
+          <p:cNvPr id="4" name="Slide Number Placeholder 3"/>
+          <p:cNvSpPr>
+            <a:spLocks noGrp="1"/>
+          </p:cNvSpPr>
+          <p:nvPr>
+            <p:ph type="sldNum" sz="quarter" idx="10"/>
+          </p:nvPr>
+        </p:nvSpPr>
+        <p:spPr/>
+        <p:txBody>
+          <a:bodyPr/>
+          <a:lstStyle/>
+          <a:p>
+            <a:fld id="{BB891512-5314-4249-8B20-F090D56A0564}" type="slidenum">
+              <a:rPr lang="en-US" smtClean="0"/>
+              <a:t>7</a:t>
+            </a:fld>
+            <a:endParaRPr lang="en-US"/>
+          </a:p>
+        </p:txBody>
+      </p:sp>
+    </p:spTree>
+    <p:extLst>
+      <p:ext uri="{BB962C8B-B14F-4D97-AF65-F5344CB8AC3E}">
+        <p14:creationId xmlns:p14="http://schemas.microsoft.com/office/powerpoint/2010/main" val="1761189148"/>
+      </p:ext>
+    </p:extLst>
+  </p:cSld>
+  <p:clrMapOvr>
+    <a:masterClrMapping/>
+  </p:clrMapOvr>
+</p:notes>
+</file>
+
+<file path=ppt/notesSlides/notesSlide7.xml><?xml version="1.0" encoding="utf-8"?>
+<p:notes xmlns:a="http://schemas.openxmlformats.org/drawingml/2006/main" xmlns:r="http://schemas.openxmlformats.org/officeDocument/2006/relationships" xmlns:p="http://schemas.openxmlformats.org/presentationml/2006/main">
+  <p:cSld>
+    <p:spTree>
+      <p:nvGrpSpPr>
+        <p:cNvPr id="1" name=""/>
+        <p:cNvGrpSpPr/>
+        <p:nvPr/>
+      </p:nvGrpSpPr>
+      <p:grpSpPr>
+        <a:xfrm>
+          <a:off x="0" y="0"/>
+          <a:ext cx="0" cy="0"/>
+          <a:chOff x="0" y="0"/>
+          <a:chExt cx="0" cy="0"/>
+        </a:xfrm>
+      </p:grpSpPr>
+      <p:sp>
+        <p:nvSpPr>
+          <p:cNvPr id="2" name="Slide Image Placeholder 1"/>
+          <p:cNvSpPr>
+            <a:spLocks noGrp="1" noRot="1" noChangeAspect="1"/>
+          </p:cNvSpPr>
+          <p:nvPr>
+            <p:ph type="sldImg"/>
+          </p:nvPr>
+        </p:nvSpPr>
+        <p:spPr/>
+      </p:sp>
+      <p:sp>
+        <p:nvSpPr>
+          <p:cNvPr id="3" name="Notes Placeholder 2"/>
+          <p:cNvSpPr>
+            <a:spLocks noGrp="1"/>
+          </p:cNvSpPr>
+          <p:nvPr>
+            <p:ph type="body" idx="1"/>
+          </p:nvPr>
+        </p:nvSpPr>
+        <p:spPr/>
+        <p:txBody>
+          <a:bodyPr/>
+          <a:lstStyle/>
+          <a:p>
+            <a:r>
+              <a:rPr lang="en-US" dirty="0" smtClean="0"/>
+              <a:t>NATHAN</a:t>
+            </a:r>
+            <a:endParaRPr lang="en-US" dirty="0"/>
+          </a:p>
+        </p:txBody>
+      </p:sp>
+      <p:sp>
+        <p:nvSpPr>
+          <p:cNvPr id="4" name="Slide Number Placeholder 3"/>
+          <p:cNvSpPr>
+            <a:spLocks noGrp="1"/>
+          </p:cNvSpPr>
+          <p:nvPr>
+            <p:ph type="sldNum" sz="quarter" idx="10"/>
+          </p:nvPr>
+        </p:nvSpPr>
+        <p:spPr/>
+        <p:txBody>
+          <a:bodyPr/>
+          <a:lstStyle/>
+          <a:p>
+            <a:fld id="{BB891512-5314-4249-8B20-F090D56A0564}" type="slidenum">
+              <a:rPr lang="en-US" smtClean="0"/>
+              <a:t>8</a:t>
+            </a:fld>
+            <a:endParaRPr lang="en-US"/>
+          </a:p>
+        </p:txBody>
+      </p:sp>
+    </p:spTree>
+    <p:extLst>
+      <p:ext uri="{BB962C8B-B14F-4D97-AF65-F5344CB8AC3E}">
+        <p14:creationId xmlns:p14="http://schemas.microsoft.com/office/powerpoint/2010/main" val="214476195"/>
+      </p:ext>
+    </p:extLst>
+  </p:cSld>
+  <p:clrMapOvr>
+    <a:masterClrMapping/>
+  </p:clrMapOvr>
+</p:notes>
+</file>
+
+<file path=ppt/notesSlides/notesSlide8.xml><?xml version="1.0" encoding="utf-8"?>
+<p:notes xmlns:a="http://schemas.openxmlformats.org/drawingml/2006/main" xmlns:r="http://schemas.openxmlformats.org/officeDocument/2006/relationships" xmlns:p="http://schemas.openxmlformats.org/presentationml/2006/main">
+  <p:cSld>
+    <p:spTree>
+      <p:nvGrpSpPr>
+        <p:cNvPr id="1" name=""/>
+        <p:cNvGrpSpPr/>
+        <p:nvPr/>
+      </p:nvGrpSpPr>
+      <p:grpSpPr>
+        <a:xfrm>
+          <a:off x="0" y="0"/>
+          <a:ext cx="0" cy="0"/>
+          <a:chOff x="0" y="0"/>
+          <a:chExt cx="0" cy="0"/>
+        </a:xfrm>
+      </p:grpSpPr>
+      <p:sp>
+        <p:nvSpPr>
+          <p:cNvPr id="2" name="Slide Image Placeholder 1"/>
+          <p:cNvSpPr>
+            <a:spLocks noGrp="1" noRot="1" noChangeAspect="1"/>
+          </p:cNvSpPr>
+          <p:nvPr>
+            <p:ph type="sldImg"/>
+          </p:nvPr>
+        </p:nvSpPr>
+        <p:spPr/>
+      </p:sp>
+      <p:sp>
+        <p:nvSpPr>
+          <p:cNvPr id="3" name="Notes Placeholder 2"/>
+          <p:cNvSpPr>
+            <a:spLocks noGrp="1"/>
+          </p:cNvSpPr>
+          <p:nvPr>
+            <p:ph type="body" idx="1"/>
+          </p:nvPr>
+        </p:nvSpPr>
+        <p:spPr/>
+        <p:txBody>
+          <a:bodyPr/>
+          <a:lstStyle/>
+          <a:p>
+            <a:r>
+              <a:rPr lang="en-US" dirty="0" smtClean="0"/>
+              <a:t>CHARLIE</a:t>
+            </a:r>
+            <a:endParaRPr lang="en-US" dirty="0"/>
+          </a:p>
+        </p:txBody>
+      </p:sp>
+      <p:sp>
+        <p:nvSpPr>
+          <p:cNvPr id="4" name="Slide Number Placeholder 3"/>
+          <p:cNvSpPr>
+            <a:spLocks noGrp="1"/>
+          </p:cNvSpPr>
+          <p:nvPr>
+            <p:ph type="sldNum" sz="quarter" idx="10"/>
+          </p:nvPr>
+        </p:nvSpPr>
+        <p:spPr/>
+        <p:txBody>
+          <a:bodyPr/>
+          <a:lstStyle/>
+          <a:p>
+            <a:fld id="{BB891512-5314-4249-8B20-F090D56A0564}" type="slidenum">
+              <a:rPr lang="en-US" smtClean="0"/>
+              <a:t>9</a:t>
+            </a:fld>
+            <a:endParaRPr lang="en-US"/>
+          </a:p>
+        </p:txBody>
+      </p:sp>
+    </p:spTree>
+    <p:extLst>
+      <p:ext uri="{BB962C8B-B14F-4D97-AF65-F5344CB8AC3E}">
+        <p14:creationId xmlns:p14="http://schemas.microsoft.com/office/powerpoint/2010/main" val="4073100438"/>
+      </p:ext>
+    </p:extLst>
+  </p:cSld>
+  <p:clrMapOvr>
+    <a:masterClrMapping/>
+  </p:clrMapOvr>
+</p:notes>
+</file>
+
+<file path=ppt/notesSlides/notesSlide9.xml><?xml version="1.0" encoding="utf-8"?>
+<p:notes xmlns:a="http://schemas.openxmlformats.org/drawingml/2006/main" xmlns:r="http://schemas.openxmlformats.org/officeDocument/2006/relationships" xmlns:p="http://schemas.openxmlformats.org/presentationml/2006/main">
+  <p:cSld>
+    <p:spTree>
+      <p:nvGrpSpPr>
+        <p:cNvPr id="1" name=""/>
+        <p:cNvGrpSpPr/>
+        <p:nvPr/>
+      </p:nvGrpSpPr>
+      <p:grpSpPr>
+        <a:xfrm>
+          <a:off x="0" y="0"/>
+          <a:ext cx="0" cy="0"/>
+          <a:chOff x="0" y="0"/>
+          <a:chExt cx="0" cy="0"/>
+        </a:xfrm>
+      </p:grpSpPr>
+      <p:sp>
+        <p:nvSpPr>
+          <p:cNvPr id="2" name="Slide Image Placeholder 1"/>
+          <p:cNvSpPr>
+            <a:spLocks noGrp="1" noRot="1" noChangeAspect="1"/>
+          </p:cNvSpPr>
+          <p:nvPr>
+            <p:ph type="sldImg"/>
+          </p:nvPr>
+        </p:nvSpPr>
+        <p:spPr/>
+      </p:sp>
+      <p:sp>
+        <p:nvSpPr>
+          <p:cNvPr id="3" name="Notes Placeholder 2"/>
+          <p:cNvSpPr>
+            <a:spLocks noGrp="1"/>
+          </p:cNvSpPr>
+          <p:nvPr>
+            <p:ph type="body" idx="1"/>
+          </p:nvPr>
+        </p:nvSpPr>
+        <p:spPr/>
+        <p:txBody>
+          <a:bodyPr/>
+          <a:lstStyle/>
+          <a:p>
+            <a:r>
+              <a:rPr lang="en-US" dirty="0" smtClean="0"/>
+              <a:t>CHARLIE</a:t>
+            </a:r>
+            <a:endParaRPr lang="en-US" dirty="0"/>
+          </a:p>
+        </p:txBody>
+      </p:sp>
+      <p:sp>
+        <p:nvSpPr>
+          <p:cNvPr id="4" name="Slide Number Placeholder 3"/>
+          <p:cNvSpPr>
+            <a:spLocks noGrp="1"/>
+          </p:cNvSpPr>
+          <p:nvPr>
+            <p:ph type="sldNum" sz="quarter" idx="10"/>
+          </p:nvPr>
+        </p:nvSpPr>
+        <p:spPr/>
+        <p:txBody>
+          <a:bodyPr/>
+          <a:lstStyle/>
+          <a:p>
+            <a:fld id="{BB891512-5314-4249-8B20-F090D56A0564}" type="slidenum">
+              <a:rPr lang="en-US" smtClean="0"/>
+              <a:t>10</a:t>
+            </a:fld>
+            <a:endParaRPr lang="en-US"/>
+          </a:p>
+        </p:txBody>
+      </p:sp>
+    </p:spTree>
+    <p:extLst>
+      <p:ext uri="{BB962C8B-B14F-4D97-AF65-F5344CB8AC3E}">
+        <p14:creationId xmlns:p14="http://schemas.microsoft.com/office/powerpoint/2010/main" val="2734461214"/>
+      </p:ext>
+    </p:extLst>
+  </p:cSld>
+  <p:clrMapOvr>
+    <a:masterClrMapping/>
+  </p:clrMapOvr>
+</p:notes>
+</file>
+
 <file path=ppt/slideLayouts/slideLayout1.xml><?xml version="1.0" encoding="utf-8"?>
 <p:sldLayout xmlns:a="http://schemas.openxmlformats.org/drawingml/2006/main" xmlns:r="http://schemas.openxmlformats.org/officeDocument/2006/relationships" xmlns:p="http://schemas.openxmlformats.org/presentationml/2006/main" showMasterSp="0" type="title" preserve="1">
   <p:cSld name="Title Slide">
@@ -539,7 +1862,7 @@
             <a:fld id="{28E80666-FB37-4B36-9149-507F3B0178E3}" type="datetimeFigureOut">
               <a:rPr lang="en-US" smtClean="0"/>
               <a:pPr/>
-              <a:t>3/31/14</a:t>
+              <a:t>4/1/14</a:t>
             </a:fld>
             <a:endParaRPr lang="en-US"/>
           </a:p>
@@ -753,7 +2076,7 @@
             <a:fld id="{28E80666-FB37-4B36-9149-507F3B0178E3}" type="datetimeFigureOut">
               <a:rPr lang="en-US" smtClean="0"/>
               <a:pPr/>
-              <a:t>3/31/14</a:t>
+              <a:t>4/1/14</a:t>
             </a:fld>
             <a:endParaRPr lang="en-US"/>
           </a:p>
@@ -942,7 +2265,7 @@
             <a:fld id="{28E80666-FB37-4B36-9149-507F3B0178E3}" type="datetimeFigureOut">
               <a:rPr lang="en-US" smtClean="0"/>
               <a:pPr/>
-              <a:t>3/31/14</a:t>
+              <a:t>4/1/14</a:t>
             </a:fld>
             <a:endParaRPr lang="en-US"/>
           </a:p>
@@ -1041,7 +2364,7 @@
             <a:fld id="{28E80666-FB37-4B36-9149-507F3B0178E3}" type="datetimeFigureOut">
               <a:rPr lang="en-US" smtClean="0"/>
               <a:pPr/>
-              <a:t>3/31/14</a:t>
+              <a:t>4/1/14</a:t>
             </a:fld>
             <a:endParaRPr lang="en-US"/>
           </a:p>
@@ -1639,7 +2962,7 @@
             <a:fld id="{28E80666-FB37-4B36-9149-507F3B0178E3}" type="datetimeFigureOut">
               <a:rPr lang="en-US" smtClean="0"/>
               <a:pPr/>
-              <a:t>3/31/14</a:t>
+              <a:t>4/1/14</a:t>
             </a:fld>
             <a:endParaRPr lang="en-US"/>
           </a:p>
@@ -1738,7 +3061,7 @@
             <a:fld id="{28E80666-FB37-4B36-9149-507F3B0178E3}" type="datetimeFigureOut">
               <a:rPr lang="en-US" smtClean="0"/>
               <a:pPr/>
-              <a:t>3/31/14</a:t>
+              <a:t>4/1/14</a:t>
             </a:fld>
             <a:endParaRPr lang="en-US"/>
           </a:p>
@@ -2345,7 +3668,7 @@
             <a:fld id="{28E80666-FB37-4B36-9149-507F3B0178E3}" type="datetimeFigureOut">
               <a:rPr lang="en-US" smtClean="0"/>
               <a:pPr/>
-              <a:t>3/31/14</a:t>
+              <a:t>4/1/14</a:t>
             </a:fld>
             <a:endParaRPr lang="en-US"/>
           </a:p>
@@ -2490,7 +3813,7 @@
             <a:fld id="{28E80666-FB37-4B36-9149-507F3B0178E3}" type="datetimeFigureOut">
               <a:rPr lang="en-US" smtClean="0"/>
               <a:pPr/>
-              <a:t>3/31/14</a:t>
+              <a:t>4/1/14</a:t>
             </a:fld>
             <a:endParaRPr lang="en-US"/>
           </a:p>
@@ -2589,7 +3912,7 @@
             <a:fld id="{28E80666-FB37-4B36-9149-507F3B0178E3}" type="datetimeFigureOut">
               <a:rPr lang="en-US" smtClean="0"/>
               <a:pPr/>
-              <a:t>3/31/14</a:t>
+              <a:t>4/1/14</a:t>
             </a:fld>
             <a:endParaRPr lang="en-US"/>
           </a:p>
@@ -2875,7 +4198,7 @@
             <a:fld id="{28E80666-FB37-4B36-9149-507F3B0178E3}" type="datetimeFigureOut">
               <a:rPr lang="en-US" smtClean="0"/>
               <a:pPr/>
-              <a:t>3/31/14</a:t>
+              <a:t>4/1/14</a:t>
             </a:fld>
             <a:endParaRPr lang="en-US"/>
           </a:p>
@@ -3399,7 +4722,7 @@
             <a:fld id="{28E80666-FB37-4B36-9149-507F3B0178E3}" type="datetimeFigureOut">
               <a:rPr lang="en-US" smtClean="0"/>
               <a:pPr/>
-              <a:t>3/31/14</a:t>
+              <a:t>4/1/14</a:t>
             </a:fld>
             <a:endParaRPr lang="en-US"/>
           </a:p>
@@ -3921,7 +5244,7 @@
             <a:fld id="{28E80666-FB37-4B36-9149-507F3B0178E3}" type="datetimeFigureOut">
               <a:rPr lang="en-US" smtClean="0"/>
               <a:pPr/>
-              <a:t>3/31/14</a:t>
+              <a:t>4/1/14</a:t>
             </a:fld>
             <a:endParaRPr lang="en-US" dirty="0"/>
           </a:p>
@@ -4601,8 +5924,8 @@
         </p:nvSpPr>
         <p:spPr>
           <a:xfrm>
-            <a:off x="958408" y="266639"/>
-            <a:ext cx="6512511" cy="1143000"/>
+            <a:off x="606359" y="321729"/>
+            <a:ext cx="7699442" cy="1143000"/>
           </a:xfrm>
         </p:spPr>
         <p:txBody>
@@ -4614,12 +5937,104 @@
             </a:pPr>
             <a:r>
               <a:rPr lang="en-US" dirty="0" smtClean="0"/>
-              <a:t>Major Obstacles</a:t>
+              <a:t>Currently Known Issues</a:t>
             </a:r>
             <a:endParaRPr lang="en-US" dirty="0"/>
           </a:p>
         </p:txBody>
       </p:sp>
+      <p:sp>
+        <p:nvSpPr>
+          <p:cNvPr id="3" name="Content Placeholder 2"/>
+          <p:cNvSpPr>
+            <a:spLocks noGrp="1"/>
+          </p:cNvSpPr>
+          <p:nvPr>
+            <p:ph sz="quarter" idx="13"/>
+          </p:nvPr>
+        </p:nvSpPr>
+        <p:spPr>
+          <a:xfrm>
+            <a:off x="822660" y="1924540"/>
+            <a:ext cx="6615344" cy="3797730"/>
+          </a:xfrm>
+        </p:spPr>
+        <p:txBody>
+          <a:bodyPr/>
+          <a:lstStyle/>
+          <a:p>
+            <a:r>
+              <a:rPr lang="en-US" sz="2600" dirty="0" smtClean="0"/>
+              <a:t>SQL injection</a:t>
+            </a:r>
+          </a:p>
+          <a:p>
+            <a:r>
+              <a:rPr lang="en-US" sz="2600" dirty="0" smtClean="0"/>
+              <a:t>User session issues</a:t>
+            </a:r>
+            <a:endParaRPr lang="en-US" sz="2600" dirty="0" smtClean="0"/>
+          </a:p>
+          <a:p>
+            <a:r>
+              <a:rPr lang="en-US" sz="2600" dirty="0" smtClean="0"/>
+              <a:t>Not handling duplicate account or device </a:t>
+            </a:r>
+            <a:r>
+              <a:rPr lang="en-US" sz="2600" dirty="0" smtClean="0"/>
+              <a:t>registration</a:t>
+            </a:r>
+          </a:p>
+          <a:p>
+            <a:r>
+              <a:rPr lang="en-US" sz="2600" dirty="0" smtClean="0"/>
+              <a:t>Unencrypted data</a:t>
+            </a:r>
+          </a:p>
+          <a:p>
+            <a:r>
+              <a:rPr lang="en-US" sz="2600" dirty="0" smtClean="0"/>
+              <a:t>More error checking needed</a:t>
+            </a:r>
+          </a:p>
+          <a:p>
+            <a:endParaRPr lang="en-US" dirty="0" smtClean="0"/>
+          </a:p>
+          <a:p>
+            <a:endParaRPr lang="en-US" dirty="0"/>
+          </a:p>
+        </p:txBody>
+      </p:sp>
+    </p:spTree>
+    <p:extLst>
+      <p:ext uri="{BB962C8B-B14F-4D97-AF65-F5344CB8AC3E}">
+        <p14:creationId xmlns:p14="http://schemas.microsoft.com/office/powerpoint/2010/main" val="115980194"/>
+      </p:ext>
+    </p:extLst>
+  </p:cSld>
+  <p:clrMapOvr>
+    <a:masterClrMapping/>
+  </p:clrMapOvr>
+</p:sld>
+</file>
+
+<file path=ppt/slides/slide11.xml><?xml version="1.0" encoding="utf-8"?>
+<p:sld xmlns:a="http://schemas.openxmlformats.org/drawingml/2006/main" xmlns:r="http://schemas.openxmlformats.org/officeDocument/2006/relationships" xmlns:p="http://schemas.openxmlformats.org/presentationml/2006/main">
+  <p:cSld>
+    <p:spTree>
+      <p:nvGrpSpPr>
+        <p:cNvPr id="1" name=""/>
+        <p:cNvGrpSpPr/>
+        <p:nvPr/>
+      </p:nvGrpSpPr>
+      <p:grpSpPr>
+        <a:xfrm>
+          <a:off x="0" y="0"/>
+          <a:ext cx="0" cy="0"/>
+          <a:chOff x="0" y="0"/>
+          <a:chExt cx="0" cy="0"/>
+        </a:xfrm>
+      </p:grpSpPr>
       <p:sp>
         <p:nvSpPr>
           <p:cNvPr id="4" name="TextBox 3"/>
@@ -4628,8 +6043,8 @@
         </p:nvSpPr>
         <p:spPr>
           <a:xfrm>
-            <a:off x="958408" y="1584662"/>
-            <a:ext cx="6083717" cy="923330"/>
+            <a:off x="553713" y="1584662"/>
+            <a:ext cx="7930376" cy="1477327"/>
           </a:xfrm>
           <a:prstGeom prst="rect">
             <a:avLst/>
@@ -4647,15 +6062,15 @@
               <a:buChar char="•"/>
             </a:pPr>
             <a:r>
-              <a:rPr lang="en-US" dirty="0" smtClean="0"/>
+              <a:rPr lang="en-US" sz="2400" dirty="0" smtClean="0"/>
               <a:t>Problems with </a:t>
             </a:r>
             <a:r>
-              <a:rPr lang="en-US" dirty="0" err="1" smtClean="0"/>
+              <a:rPr lang="en-US" sz="2400" dirty="0" err="1" smtClean="0"/>
               <a:t>Geogram’s</a:t>
             </a:r>
             <a:r>
-              <a:rPr lang="en-US" dirty="0" smtClean="0"/>
+              <a:rPr lang="en-US" sz="2400" dirty="0" smtClean="0"/>
               <a:t> motion activation (resolved)</a:t>
             </a:r>
           </a:p>
@@ -4665,17 +6080,36 @@
               <a:buChar char="•"/>
             </a:pPr>
             <a:r>
-              <a:rPr lang="en-US" dirty="0" smtClean="0"/>
+              <a:rPr lang="en-US" sz="2400" dirty="0" smtClean="0"/>
               <a:t>Server receiving </a:t>
             </a:r>
             <a:r>
-              <a:rPr lang="en-US" dirty="0" err="1" smtClean="0"/>
+              <a:rPr lang="en-US" sz="2400" dirty="0" err="1" smtClean="0"/>
               <a:t>keylog</a:t>
             </a:r>
             <a:r>
-              <a:rPr lang="en-US" dirty="0" smtClean="0"/>
-              <a:t> data too fast (resolved)</a:t>
-            </a:r>
+              <a:rPr lang="en-US" sz="2400" dirty="0" smtClean="0"/>
+              <a:t> data too fast (resolved</a:t>
+            </a:r>
+            <a:r>
+              <a:rPr lang="en-US" sz="2400" dirty="0" smtClean="0"/>
+              <a:t>)</a:t>
+            </a:r>
+          </a:p>
+          <a:p>
+            <a:pPr marL="285750" indent="-285750">
+              <a:buFont typeface="Arial"/>
+              <a:buChar char="•"/>
+            </a:pPr>
+            <a:r>
+              <a:rPr lang="en-US" sz="2400" dirty="0" err="1" smtClean="0"/>
+              <a:t>Geogram</a:t>
+            </a:r>
+            <a:r>
+              <a:rPr lang="en-US" sz="2400" dirty="0" smtClean="0"/>
+              <a:t> battery wire disconnected (unresolved)</a:t>
+            </a:r>
+            <a:endParaRPr lang="en-US" sz="2400" dirty="0" smtClean="0"/>
           </a:p>
           <a:p>
             <a:pPr marL="285750" indent="-285750">
@@ -4689,6 +6123,96 @@
       <p:sp>
         <p:nvSpPr>
           <p:cNvPr id="5" name="Title 1"/>
+          <p:cNvSpPr>
+            <a:spLocks noGrp="1"/>
+          </p:cNvSpPr>
+          <p:nvPr>
+            <p:ph type="title"/>
+          </p:nvPr>
+        </p:nvSpPr>
+        <p:spPr>
+          <a:xfrm>
+            <a:off x="958408" y="266639"/>
+            <a:ext cx="6512511" cy="1143000"/>
+          </a:xfrm>
+        </p:spPr>
+        <p:txBody>
+          <a:bodyPr/>
+          <a:lstStyle/>
+          <a:p>
+            <a:pPr marL="0" indent="0" algn="l">
+              <a:buNone/>
+            </a:pPr>
+            <a:r>
+              <a:rPr lang="en-US" dirty="0" smtClean="0"/>
+              <a:t>Major Obstacles</a:t>
+            </a:r>
+            <a:endParaRPr lang="en-US" dirty="0"/>
+          </a:p>
+        </p:txBody>
+      </p:sp>
+      <p:pic>
+        <p:nvPicPr>
+          <p:cNvPr id="6" name="Picture 5" descr="photo.JPG"/>
+          <p:cNvPicPr>
+            <a:picLocks noChangeAspect="1"/>
+          </p:cNvPicPr>
+          <p:nvPr/>
+        </p:nvPicPr>
+        <p:blipFill rotWithShape="1">
+          <a:blip r:embed="rId3" cstate="print">
+            <a:extLst>
+              <a:ext uri="{28A0092B-C50C-407E-A947-70E740481C1C}">
+                <a14:useLocalDpi xmlns:a14="http://schemas.microsoft.com/office/drawing/2010/main" val="0"/>
+              </a:ext>
+            </a:extLst>
+          </a:blip>
+          <a:srcRect l="41234" t="33595"/>
+          <a:stretch/>
+        </p:blipFill>
+        <p:spPr>
+          <a:xfrm>
+            <a:off x="2414212" y="3061989"/>
+            <a:ext cx="4074855" cy="3453369"/>
+          </a:xfrm>
+          <a:prstGeom prst="rect">
+            <a:avLst/>
+          </a:prstGeom>
+        </p:spPr>
+      </p:pic>
+    </p:spTree>
+    <p:extLst>
+      <p:ext uri="{BB962C8B-B14F-4D97-AF65-F5344CB8AC3E}">
+        <p14:creationId xmlns:p14="http://schemas.microsoft.com/office/powerpoint/2010/main" val="22098335"/>
+      </p:ext>
+    </p:extLst>
+  </p:cSld>
+  <p:clrMapOvr>
+    <a:masterClrMapping/>
+  </p:clrMapOvr>
+</p:sld>
+</file>
+
+<file path=ppt/slides/slide12.xml><?xml version="1.0" encoding="utf-8"?>
+<p:sld xmlns:a="http://schemas.openxmlformats.org/drawingml/2006/main" xmlns:r="http://schemas.openxmlformats.org/officeDocument/2006/relationships" xmlns:p="http://schemas.openxmlformats.org/presentationml/2006/main">
+  <p:cSld>
+    <p:spTree>
+      <p:nvGrpSpPr>
+        <p:cNvPr id="1" name=""/>
+        <p:cNvGrpSpPr/>
+        <p:nvPr/>
+      </p:nvGrpSpPr>
+      <p:grpSpPr>
+        <a:xfrm>
+          <a:off x="0" y="0"/>
+          <a:ext cx="0" cy="0"/>
+          <a:chOff x="0" y="0"/>
+          <a:chExt cx="0" cy="0"/>
+        </a:xfrm>
+      </p:grpSpPr>
+      <p:sp>
+        <p:nvSpPr>
+          <p:cNvPr id="5" name="Title 1"/>
           <p:cNvSpPr txBox="1">
             <a:spLocks/>
           </p:cNvSpPr>
@@ -4696,7 +6220,7 @@
         </p:nvSpPr>
         <p:spPr>
           <a:xfrm>
-            <a:off x="958408" y="2952904"/>
+            <a:off x="804903" y="636083"/>
             <a:ext cx="6512511" cy="1143000"/>
           </a:xfrm>
           <a:prstGeom prst="rect">
@@ -4827,8 +6351,8 @@
         </p:nvSpPr>
         <p:spPr>
           <a:xfrm>
-            <a:off x="958408" y="4095904"/>
-            <a:ext cx="7149399" cy="923330"/>
+            <a:off x="804903" y="2351309"/>
+            <a:ext cx="7707634" cy="2246769"/>
           </a:xfrm>
           <a:prstGeom prst="rect">
             <a:avLst/>
@@ -4846,7 +6370,7 @@
               <a:buChar char="•"/>
             </a:pPr>
             <a:r>
-              <a:rPr lang="en-US" dirty="0" smtClean="0"/>
+              <a:rPr lang="en-US" sz="2800" dirty="0" smtClean="0"/>
               <a:t>Implement more error checking and error handling to create a more failsafe server</a:t>
             </a:r>
           </a:p>
@@ -4856,10 +6380,38 @@
               <a:buChar char="•"/>
             </a:pPr>
             <a:r>
-              <a:rPr lang="en-US" dirty="0" smtClean="0"/>
-              <a:t>Add more commands sent from web client</a:t>
-            </a:r>
-            <a:endParaRPr lang="en-US" dirty="0"/>
+              <a:rPr lang="en-US" sz="2800" dirty="0" smtClean="0"/>
+              <a:t>Add more commands sent from web </a:t>
+            </a:r>
+            <a:r>
+              <a:rPr lang="en-US" sz="2800" dirty="0" smtClean="0"/>
+              <a:t>client</a:t>
+            </a:r>
+          </a:p>
+          <a:p>
+            <a:pPr marL="285750" indent="-285750">
+              <a:buFont typeface="Arial"/>
+              <a:buChar char="•"/>
+            </a:pPr>
+            <a:r>
+              <a:rPr lang="en-US" sz="2800" dirty="0" smtClean="0"/>
+              <a:t>Improve web UI</a:t>
+            </a:r>
+          </a:p>
+          <a:p>
+            <a:pPr marL="285750" indent="-285750">
+              <a:buFont typeface="Arial"/>
+              <a:buChar char="•"/>
+            </a:pPr>
+            <a:r>
+              <a:rPr lang="en-US" sz="2800" dirty="0" err="1" smtClean="0"/>
+              <a:t>Geolocation</a:t>
+            </a:r>
+            <a:r>
+              <a:rPr lang="en-US" sz="2800" dirty="0" smtClean="0"/>
+              <a:t> with IP</a:t>
+            </a:r>
+            <a:endParaRPr lang="en-US" sz="2800" dirty="0"/>
           </a:p>
         </p:txBody>
       </p:sp>
@@ -5012,89 +6564,40 @@
           <a:chExt cx="0" cy="0"/>
         </a:xfrm>
       </p:grpSpPr>
-      <p:sp>
-        <p:nvSpPr>
-          <p:cNvPr id="2" name="Title 1"/>
-          <p:cNvSpPr>
-            <a:spLocks noGrp="1"/>
-          </p:cNvSpPr>
-          <p:nvPr>
-            <p:ph type="title"/>
-          </p:nvPr>
-        </p:nvSpPr>
+      <p:pic>
+        <p:nvPicPr>
+          <p:cNvPr id="4" name="Picture 3" descr="Screen Shot 2014-04-01 at 12.22.49 AM.png"/>
+          <p:cNvPicPr>
+            <a:picLocks noChangeAspect="1"/>
+          </p:cNvPicPr>
+          <p:nvPr/>
+        </p:nvPicPr>
+        <p:blipFill>
+          <a:blip r:embed="rId3">
+            <a:extLst>
+              <a:ext uri="{28A0092B-C50C-407E-A947-70E740481C1C}">
+                <a14:useLocalDpi xmlns:a14="http://schemas.microsoft.com/office/drawing/2010/main" val="0"/>
+              </a:ext>
+            </a:extLst>
+          </a:blip>
+          <a:stretch>
+            <a:fillRect/>
+          </a:stretch>
+        </p:blipFill>
         <p:spPr>
           <a:xfrm>
-            <a:off x="889471" y="356055"/>
-            <a:ext cx="6512511" cy="1143000"/>
-          </a:xfrm>
-        </p:spPr>
-        <p:txBody>
-          <a:bodyPr/>
-          <a:lstStyle/>
-          <a:p>
-            <a:pPr marL="0" indent="0" algn="l">
-              <a:buNone/>
-            </a:pPr>
-            <a:r>
-              <a:rPr lang="en-US" dirty="0" smtClean="0"/>
-              <a:t>Cycle Intent</a:t>
-            </a:r>
-            <a:endParaRPr lang="en-US" dirty="0"/>
-          </a:p>
-        </p:txBody>
-      </p:sp>
-      <p:sp>
-        <p:nvSpPr>
-          <p:cNvPr id="4" name="TextBox 3"/>
-          <p:cNvSpPr txBox="1"/>
-          <p:nvPr/>
-        </p:nvSpPr>
-        <p:spPr>
-          <a:xfrm>
-            <a:off x="889472" y="1899358"/>
-            <a:ext cx="7588682" cy="1754327"/>
+            <a:off x="122604" y="558270"/>
+            <a:ext cx="8881846" cy="5551154"/>
           </a:xfrm>
           <a:prstGeom prst="rect">
             <a:avLst/>
           </a:prstGeom>
-          <a:noFill/>
         </p:spPr>
-        <p:txBody>
-          <a:bodyPr wrap="square" rtlCol="0">
-            <a:spAutoFit/>
-          </a:bodyPr>
-          <a:lstStyle/>
-          <a:p>
-            <a:r>
-              <a:rPr lang="en-US" dirty="0" smtClean="0"/>
-              <a:t>Main focus on internal server communications and displaying of data on web view</a:t>
-            </a:r>
-          </a:p>
-          <a:p>
-            <a:endParaRPr lang="en-US" dirty="0" smtClean="0"/>
-          </a:p>
-          <a:p>
-            <a:r>
-              <a:rPr lang="en-US" dirty="0" smtClean="0"/>
-              <a:t>Functions for different queries to the database</a:t>
-            </a:r>
-          </a:p>
-          <a:p>
-            <a:endParaRPr lang="en-US" dirty="0" smtClean="0"/>
-          </a:p>
-          <a:p>
-            <a:r>
-              <a:rPr lang="en-US" dirty="0" smtClean="0"/>
-              <a:t>No major updates to Windows Service</a:t>
-            </a:r>
-            <a:endParaRPr lang="en-US" dirty="0"/>
-          </a:p>
-        </p:txBody>
-      </p:sp>
+      </p:pic>
     </p:spTree>
     <p:extLst>
       <p:ext uri="{BB962C8B-B14F-4D97-AF65-F5344CB8AC3E}">
-        <p14:creationId xmlns:p14="http://schemas.microsoft.com/office/powerpoint/2010/main" val="1618484116"/>
+        <p14:creationId xmlns:p14="http://schemas.microsoft.com/office/powerpoint/2010/main" val="2878162127"/>
       </p:ext>
     </p:extLst>
   </p:cSld>
@@ -5133,93 +6636,93 @@
         </p:nvSpPr>
         <p:spPr>
           <a:xfrm>
-            <a:off x="903817" y="4372168"/>
-            <a:ext cx="7401983" cy="1143000"/>
+            <a:off x="889471" y="565406"/>
+            <a:ext cx="6512511" cy="1143000"/>
           </a:xfrm>
         </p:spPr>
         <p:txBody>
           <a:bodyPr/>
           <a:lstStyle/>
           <a:p>
-            <a:r>
-              <a:rPr lang="en-US" dirty="0" smtClean="0"/>
-              <a:t>New Features</a:t>
-            </a:r>
-            <a:endParaRPr lang="en-US" dirty="0"/>
-          </a:p>
-        </p:txBody>
-      </p:sp>
-      <p:sp>
-        <p:nvSpPr>
-          <p:cNvPr id="3" name="Content Placeholder 2"/>
-          <p:cNvSpPr>
-            <a:spLocks noGrp="1"/>
-          </p:cNvSpPr>
-          <p:nvPr>
-            <p:ph sz="quarter" idx="13"/>
-          </p:nvPr>
-        </p:nvSpPr>
-        <p:spPr/>
-        <p:txBody>
-          <a:bodyPr/>
-          <a:lstStyle/>
-          <a:p>
-            <a:r>
-              <a:rPr lang="en-US" dirty="0" smtClean="0"/>
-              <a:t>Adding new devices to the account</a:t>
-            </a:r>
-          </a:p>
-          <a:p>
-            <a:r>
-              <a:rPr lang="en-US" dirty="0" smtClean="0"/>
-              <a:t>Displaying device information based on user session</a:t>
-            </a:r>
-          </a:p>
-          <a:p>
-            <a:pPr lvl="1"/>
-            <a:r>
-              <a:rPr lang="en-US" dirty="0" err="1" smtClean="0"/>
-              <a:t>Traceroutes</a:t>
-            </a:r>
-            <a:endParaRPr lang="en-US" dirty="0" smtClean="0"/>
-          </a:p>
-          <a:p>
-            <a:pPr lvl="1"/>
-            <a:r>
-              <a:rPr lang="en-US" dirty="0" err="1" smtClean="0"/>
-              <a:t>Keylogs</a:t>
-            </a:r>
-            <a:endParaRPr lang="en-US" dirty="0" smtClean="0"/>
-          </a:p>
-          <a:p>
-            <a:r>
-              <a:rPr lang="en-US" dirty="0" err="1" smtClean="0"/>
-              <a:t>GeogramOne</a:t>
-            </a:r>
-            <a:r>
-              <a:rPr lang="en-US" dirty="0" smtClean="0"/>
-              <a:t> sleeps and wakes on motion</a:t>
-            </a:r>
-          </a:p>
-          <a:p>
-            <a:pPr lvl="1"/>
-            <a:r>
-              <a:rPr lang="en-US" dirty="0" smtClean="0"/>
-              <a:t>Alerts server of the event and begins tracking</a:t>
-            </a:r>
-          </a:p>
-          <a:p>
-            <a:pPr marL="45720" indent="0">
+            <a:pPr marL="0" indent="0" algn="l">
               <a:buNone/>
             </a:pPr>
+            <a:r>
+              <a:rPr lang="en-US" dirty="0" smtClean="0"/>
+              <a:t>Cycle Intent</a:t>
+            </a:r>
+            <a:endParaRPr lang="en-US" dirty="0"/>
+          </a:p>
+        </p:txBody>
+      </p:sp>
+      <p:sp>
+        <p:nvSpPr>
+          <p:cNvPr id="4" name="TextBox 3"/>
+          <p:cNvSpPr txBox="1"/>
+          <p:nvPr/>
+        </p:nvSpPr>
+        <p:spPr>
+          <a:xfrm>
+            <a:off x="777831" y="2373887"/>
+            <a:ext cx="7588682" cy="1754327"/>
+          </a:xfrm>
+          <a:prstGeom prst="rect">
+            <a:avLst/>
+          </a:prstGeom>
+          <a:noFill/>
+        </p:spPr>
+        <p:txBody>
+          <a:bodyPr wrap="square" rtlCol="0">
+            <a:spAutoFit/>
+          </a:bodyPr>
+          <a:lstStyle/>
+          <a:p>
+            <a:pPr marL="285750" indent="-285750">
+              <a:buFont typeface="Arial"/>
+              <a:buChar char="•"/>
+            </a:pPr>
+            <a:r>
+              <a:rPr lang="en-US" dirty="0" smtClean="0"/>
+              <a:t>Main focus on internal server communications and displaying of data on web view</a:t>
+            </a:r>
+          </a:p>
+          <a:p>
             <a:endParaRPr lang="en-US" dirty="0" smtClean="0"/>
+          </a:p>
+          <a:p>
+            <a:pPr marL="285750" indent="-285750">
+              <a:buFont typeface="Arial"/>
+              <a:buChar char="•"/>
+            </a:pPr>
+            <a:r>
+              <a:rPr lang="en-US" dirty="0" smtClean="0"/>
+              <a:t>Functions for different queries to the database</a:t>
+            </a:r>
+          </a:p>
+          <a:p>
+            <a:pPr marL="285750" indent="-285750">
+              <a:buFont typeface="Arial"/>
+              <a:buChar char="•"/>
+            </a:pPr>
+            <a:endParaRPr lang="en-US" dirty="0" smtClean="0"/>
+          </a:p>
+          <a:p>
+            <a:pPr marL="285750" indent="-285750">
+              <a:buFont typeface="Arial"/>
+              <a:buChar char="•"/>
+            </a:pPr>
+            <a:r>
+              <a:rPr lang="en-US" dirty="0" smtClean="0"/>
+              <a:t>No major updates to Windows Service</a:t>
+            </a:r>
+            <a:endParaRPr lang="en-US" dirty="0"/>
           </a:p>
         </p:txBody>
       </p:sp>
     </p:spTree>
     <p:extLst>
       <p:ext uri="{BB962C8B-B14F-4D97-AF65-F5344CB8AC3E}">
-        <p14:creationId xmlns:p14="http://schemas.microsoft.com/office/powerpoint/2010/main" val="1025294848"/>
+        <p14:creationId xmlns:p14="http://schemas.microsoft.com/office/powerpoint/2010/main" val="1618484116"/>
       </p:ext>
     </p:extLst>
   </p:cSld>
@@ -5256,45 +6759,95 @@
             <p:ph type="title"/>
           </p:nvPr>
         </p:nvSpPr>
+        <p:spPr>
+          <a:xfrm>
+            <a:off x="903817" y="4372168"/>
+            <a:ext cx="7401983" cy="1143000"/>
+          </a:xfrm>
+        </p:spPr>
+        <p:txBody>
+          <a:bodyPr/>
+          <a:lstStyle/>
+          <a:p>
+            <a:r>
+              <a:rPr lang="en-US" dirty="0" smtClean="0"/>
+              <a:t>New Features</a:t>
+            </a:r>
+            <a:endParaRPr lang="en-US" dirty="0"/>
+          </a:p>
+        </p:txBody>
+      </p:sp>
+      <p:sp>
+        <p:nvSpPr>
+          <p:cNvPr id="3" name="Content Placeholder 2"/>
+          <p:cNvSpPr>
+            <a:spLocks noGrp="1"/>
+          </p:cNvSpPr>
+          <p:nvPr>
+            <p:ph sz="quarter" idx="13"/>
+          </p:nvPr>
+        </p:nvSpPr>
         <p:spPr/>
         <p:txBody>
           <a:bodyPr/>
           <a:lstStyle/>
           <a:p>
-            <a:pPr marL="0" indent="0">
+            <a:r>
+              <a:rPr lang="en-US" dirty="0" smtClean="0"/>
+              <a:t>Adding new devices to the account</a:t>
+            </a:r>
+          </a:p>
+          <a:p>
+            <a:r>
+              <a:rPr lang="en-US" dirty="0" smtClean="0"/>
+              <a:t>Displaying device information based on user session</a:t>
+            </a:r>
+          </a:p>
+          <a:p>
+            <a:pPr lvl="1"/>
+            <a:r>
+              <a:rPr lang="en-US" dirty="0" err="1" smtClean="0"/>
+              <a:t>Traceroutes</a:t>
+            </a:r>
+            <a:endParaRPr lang="en-US" dirty="0" smtClean="0"/>
+          </a:p>
+          <a:p>
+            <a:pPr lvl="1"/>
+            <a:r>
+              <a:rPr lang="en-US" dirty="0" err="1" smtClean="0"/>
+              <a:t>Keylogs</a:t>
+            </a:r>
+            <a:endParaRPr lang="en-US" dirty="0" smtClean="0"/>
+          </a:p>
+          <a:p>
+            <a:r>
+              <a:rPr lang="en-US" dirty="0" err="1" smtClean="0"/>
+              <a:t>GeogramOne</a:t>
+            </a:r>
+            <a:r>
+              <a:rPr lang="en-US" dirty="0" smtClean="0"/>
+              <a:t> sleeps and wakes on motion</a:t>
+            </a:r>
+          </a:p>
+          <a:p>
+            <a:pPr lvl="1"/>
+            <a:r>
+              <a:rPr lang="en-US" dirty="0" smtClean="0"/>
+              <a:t>Alerts server of the event and begins tracking</a:t>
+            </a:r>
+          </a:p>
+          <a:p>
+            <a:pPr marL="45720" indent="0">
               <a:buNone/>
             </a:pPr>
-            <a:r>
-              <a:rPr lang="en-US" dirty="0" smtClean="0"/>
-              <a:t>User Stories</a:t>
-            </a:r>
-            <a:endParaRPr lang="en-US" dirty="0"/>
-          </a:p>
-        </p:txBody>
-      </p:sp>
-      <p:sp>
-        <p:nvSpPr>
-          <p:cNvPr id="3" name="Content Placeholder 2"/>
-          <p:cNvSpPr>
-            <a:spLocks noGrp="1"/>
-          </p:cNvSpPr>
-          <p:nvPr>
-            <p:ph sz="quarter" idx="13"/>
-          </p:nvPr>
-        </p:nvSpPr>
-        <p:spPr/>
-        <p:txBody>
-          <a:bodyPr/>
-          <a:lstStyle/>
-          <a:p>
-            <a:endParaRPr lang="en-US" dirty="0"/>
+            <a:endParaRPr lang="en-US" dirty="0" smtClean="0"/>
           </a:p>
         </p:txBody>
       </p:sp>
     </p:spTree>
     <p:extLst>
       <p:ext uri="{BB962C8B-B14F-4D97-AF65-F5344CB8AC3E}">
-        <p14:creationId xmlns:p14="http://schemas.microsoft.com/office/powerpoint/2010/main" val="2323172678"/>
+        <p14:creationId xmlns:p14="http://schemas.microsoft.com/office/powerpoint/2010/main" val="1025294848"/>
       </p:ext>
     </p:extLst>
   </p:cSld>
@@ -5333,20 +6886,20 @@
         </p:nvSpPr>
         <p:spPr>
           <a:xfrm>
-            <a:off x="1143000" y="289360"/>
-            <a:ext cx="6512511" cy="1143000"/>
+            <a:off x="167460" y="375867"/>
+            <a:ext cx="4072767" cy="1143000"/>
           </a:xfrm>
         </p:spPr>
         <p:txBody>
           <a:bodyPr/>
           <a:lstStyle/>
           <a:p>
-            <a:pPr marL="0" indent="0" algn="l">
+            <a:pPr marL="0" indent="0">
               <a:buNone/>
             </a:pPr>
             <a:r>
               <a:rPr lang="en-US" dirty="0" smtClean="0"/>
-              <a:t>Server</a:t>
+              <a:t>User Stories</a:t>
             </a:r>
             <a:endParaRPr lang="en-US" dirty="0"/>
           </a:p>
@@ -5364,29 +6917,78 @@
         </p:nvSpPr>
         <p:spPr>
           <a:xfrm>
-            <a:off x="1143000" y="1695684"/>
+            <a:off x="983972" y="1833376"/>
             <a:ext cx="6400800" cy="3474720"/>
           </a:xfrm>
         </p:spPr>
         <p:txBody>
-          <a:bodyPr/>
-          <a:lstStyle/>
-          <a:p>
+          <a:bodyPr>
+            <a:normAutofit lnSpcReduction="10000"/>
+          </a:bodyPr>
+          <a:lstStyle/>
+          <a:p>
+            <a:pPr marL="45720" indent="0">
+              <a:buNone/>
+            </a:pPr>
             <a:r>
               <a:rPr lang="en-US" dirty="0" smtClean="0"/>
-              <a:t>Implemented more functionality to the server’s internal communication</a:t>
-            </a:r>
-          </a:p>
-          <a:p>
+              <a:t>Completed</a:t>
+            </a:r>
+          </a:p>
+          <a:p>
+            <a:pPr lvl="1"/>
             <a:r>
               <a:rPr lang="en-US" dirty="0" smtClean="0"/>
-              <a:t>Database functions needed in-order to update and insert new information into database </a:t>
-            </a:r>
-          </a:p>
-          <a:p>
+              <a:t>User Account Creation</a:t>
+            </a:r>
+          </a:p>
+          <a:p>
+            <a:pPr lvl="1"/>
             <a:r>
               <a:rPr lang="en-US" dirty="0" smtClean="0"/>
-              <a:t>Retrieving device data based on users’ session</a:t>
+              <a:t>User new device registration</a:t>
+            </a:r>
+          </a:p>
+          <a:p>
+            <a:pPr lvl="1"/>
+            <a:r>
+              <a:rPr lang="en-US" dirty="0" smtClean="0"/>
+              <a:t>User views device list</a:t>
+            </a:r>
+          </a:p>
+          <a:p>
+            <a:pPr lvl="1"/>
+            <a:r>
+              <a:rPr lang="en-US" dirty="0" smtClean="0"/>
+              <a:t>User views device data</a:t>
+            </a:r>
+          </a:p>
+          <a:p>
+            <a:pPr marL="45720" indent="0">
+              <a:buNone/>
+            </a:pPr>
+            <a:r>
+              <a:rPr lang="en-US" dirty="0" smtClean="0"/>
+              <a:t>Adversarial</a:t>
+            </a:r>
+            <a:endParaRPr lang="en-US" dirty="0" smtClean="0"/>
+          </a:p>
+          <a:p>
+            <a:pPr lvl="1"/>
+            <a:r>
+              <a:rPr lang="en-US" dirty="0" smtClean="0"/>
+              <a:t>User reports stolen device (activates device tracking)</a:t>
+            </a:r>
+          </a:p>
+          <a:p>
+            <a:pPr lvl="1"/>
+            <a:r>
+              <a:rPr lang="en-US" dirty="0" err="1" smtClean="0"/>
+              <a:t>Geogram</a:t>
+            </a:r>
+            <a:r>
+              <a:rPr lang="en-US" dirty="0" smtClean="0"/>
+              <a:t> automatically detects when stolen</a:t>
             </a:r>
             <a:endParaRPr lang="en-US" dirty="0"/>
           </a:p>
@@ -5395,7 +6997,7 @@
     </p:spTree>
     <p:extLst>
       <p:ext uri="{BB962C8B-B14F-4D97-AF65-F5344CB8AC3E}">
-        <p14:creationId xmlns:p14="http://schemas.microsoft.com/office/powerpoint/2010/main" val="3777256071"/>
+        <p14:creationId xmlns:p14="http://schemas.microsoft.com/office/powerpoint/2010/main" val="2323172678"/>
       </p:ext>
     </p:extLst>
   </p:cSld>
@@ -5434,7 +7036,7 @@
         </p:nvSpPr>
         <p:spPr>
           <a:xfrm>
-            <a:off x="683541" y="253077"/>
+            <a:off x="1143000" y="289360"/>
             <a:ext cx="6512511" cy="1143000"/>
           </a:xfrm>
         </p:spPr>
@@ -5447,7 +7049,7 @@
             </a:pPr>
             <a:r>
               <a:rPr lang="en-US" dirty="0" smtClean="0"/>
-              <a:t>Device Hub</a:t>
+              <a:t>Server</a:t>
             </a:r>
             <a:endParaRPr lang="en-US" dirty="0"/>
           </a:p>
@@ -5465,39 +7067,29 @@
         </p:nvSpPr>
         <p:spPr>
           <a:xfrm>
-            <a:off x="1287200" y="1396076"/>
-            <a:ext cx="6638285" cy="4706455"/>
+            <a:off x="1143000" y="2100430"/>
+            <a:ext cx="6400800" cy="3474720"/>
           </a:xfrm>
         </p:spPr>
         <p:txBody>
-          <a:bodyPr>
-            <a:normAutofit/>
-          </a:bodyPr>
+          <a:bodyPr/>
           <a:lstStyle/>
           <a:p>
             <a:r>
               <a:rPr lang="en-US" dirty="0" smtClean="0"/>
-              <a:t>Laptop “checks-in” with the server to see if the device has been reported stolen. If the stolen flag is set, the server sends commands to the laptop to retrieve data and start monitoring</a:t>
+              <a:t>Implemented more functionality to the server’s internal communication</a:t>
             </a:r>
           </a:p>
           <a:p>
             <a:r>
               <a:rPr lang="en-US" dirty="0" smtClean="0"/>
-              <a:t>GPS device send coordinates to the server, the server parses the phone number and coordinates to store on database and push to the web socket</a:t>
+              <a:t>Database functions needed in-order to update and insert new information into database </a:t>
             </a:r>
           </a:p>
           <a:p>
             <a:r>
               <a:rPr lang="en-US" dirty="0" smtClean="0"/>
-              <a:t>Send commands to devices using the device IDs (</a:t>
-            </a:r>
-            <a:r>
-              <a:rPr lang="en-US" dirty="0" err="1" smtClean="0"/>
-              <a:t>Geogram</a:t>
-            </a:r>
-            <a:r>
-              <a:rPr lang="en-US" dirty="0" smtClean="0"/>
-              <a:t>: phone number	Laptop: MAC Address)</a:t>
+              <a:t>Retrieving device data based on users’ session</a:t>
             </a:r>
             <a:endParaRPr lang="en-US" dirty="0"/>
           </a:p>
@@ -5506,7 +7098,7 @@
     </p:spTree>
     <p:extLst>
       <p:ext uri="{BB962C8B-B14F-4D97-AF65-F5344CB8AC3E}">
-        <p14:creationId xmlns:p14="http://schemas.microsoft.com/office/powerpoint/2010/main" val="1464219534"/>
+        <p14:creationId xmlns:p14="http://schemas.microsoft.com/office/powerpoint/2010/main" val="3777256071"/>
       </p:ext>
     </p:extLst>
   </p:cSld>
@@ -5545,7 +7137,7 @@
         </p:nvSpPr>
         <p:spPr>
           <a:xfrm>
-            <a:off x="-922750" y="298764"/>
+            <a:off x="683541" y="253077"/>
             <a:ext cx="6512511" cy="1143000"/>
           </a:xfrm>
         </p:spPr>
@@ -5553,12 +7145,12 @@
           <a:bodyPr/>
           <a:lstStyle/>
           <a:p>
-            <a:pPr>
+            <a:pPr marL="0" indent="0" algn="l">
               <a:buNone/>
             </a:pPr>
             <a:r>
               <a:rPr lang="en-US" dirty="0" smtClean="0"/>
-              <a:t>Windows Service</a:t>
+              <a:t>Device Hub</a:t>
             </a:r>
             <a:endParaRPr lang="en-US" dirty="0"/>
           </a:p>
@@ -5576,35 +7168,50 @@
         </p:nvSpPr>
         <p:spPr>
           <a:xfrm>
-            <a:off x="1143000" y="2040448"/>
-            <a:ext cx="6400800" cy="3474720"/>
+            <a:off x="1287200" y="1605427"/>
+            <a:ext cx="6638285" cy="4706455"/>
           </a:xfrm>
         </p:spPr>
         <p:txBody>
-          <a:bodyPr/>
+          <a:bodyPr>
+            <a:normAutofit/>
+          </a:bodyPr>
           <a:lstStyle/>
           <a:p>
             <a:r>
               <a:rPr lang="en-US" dirty="0" smtClean="0"/>
-              <a:t>Identifier and Stolen status stored in registry</a:t>
+              <a:t>Laptop “checks-in” with the server to see if the device has been reported stolen. If the stolen flag is set, the server sends commands to the laptop to retrieve data and start monitoring</a:t>
             </a:r>
           </a:p>
           <a:p>
             <a:r>
               <a:rPr lang="en-US" dirty="0" smtClean="0"/>
-              <a:t>Reconnect to key-logger mid execution</a:t>
+              <a:t>GPS device send coordinates to the server, the server parses the phone number and coordinates to store on database and push to the web socket</a:t>
             </a:r>
           </a:p>
           <a:p>
             <a:r>
               <a:rPr lang="en-US" dirty="0" smtClean="0"/>
-              <a:t>Other minor improvements</a:t>
+              <a:t>Send commands to devices using the device IDs (</a:t>
+            </a:r>
+            <a:r>
+              <a:rPr lang="en-US" dirty="0" err="1" smtClean="0"/>
+              <a:t>Geogram</a:t>
+            </a:r>
+            <a:r>
+              <a:rPr lang="en-US" dirty="0" smtClean="0"/>
+              <a:t>: phone number	Laptop: MAC Address)</a:t>
             </a:r>
             <a:endParaRPr lang="en-US" dirty="0"/>
           </a:p>
         </p:txBody>
       </p:sp>
     </p:spTree>
+    <p:extLst>
+      <p:ext uri="{BB962C8B-B14F-4D97-AF65-F5344CB8AC3E}">
+        <p14:creationId xmlns:p14="http://schemas.microsoft.com/office/powerpoint/2010/main" val="1464219534"/>
+      </p:ext>
+    </p:extLst>
   </p:cSld>
   <p:clrMapOvr>
     <a:masterClrMapping/>
@@ -5641,20 +7248,20 @@
         </p:nvSpPr>
         <p:spPr>
           <a:xfrm>
-            <a:off x="606359" y="321729"/>
-            <a:ext cx="7699442" cy="1143000"/>
+            <a:off x="-922750" y="298764"/>
+            <a:ext cx="6512511" cy="1143000"/>
           </a:xfrm>
         </p:spPr>
         <p:txBody>
           <a:bodyPr/>
           <a:lstStyle/>
           <a:p>
-            <a:pPr marL="0" indent="0" algn="l">
+            <a:pPr>
               <a:buNone/>
             </a:pPr>
             <a:r>
               <a:rPr lang="en-US" dirty="0" smtClean="0"/>
-              <a:t>Currently Known Issues</a:t>
+              <a:t>Windows Service</a:t>
             </a:r>
             <a:endParaRPr lang="en-US" dirty="0"/>
           </a:p>
@@ -5672,42 +7279,37 @@
         </p:nvSpPr>
         <p:spPr>
           <a:xfrm>
-            <a:off x="822660" y="1463966"/>
+            <a:off x="1143000" y="2207929"/>
             <a:ext cx="6400800" cy="3474720"/>
           </a:xfrm>
         </p:spPr>
         <p:txBody>
-          <a:bodyPr/>
-          <a:lstStyle/>
-          <a:p>
-            <a:r>
-              <a:rPr lang="en-US" dirty="0" smtClean="0"/>
-              <a:t>SQL injection</a:t>
-            </a:r>
-          </a:p>
-          <a:p>
-            <a:r>
-              <a:rPr lang="en-US" dirty="0" smtClean="0"/>
-              <a:t>Deletion of cookies</a:t>
-            </a:r>
-          </a:p>
-          <a:p>
-            <a:r>
-              <a:rPr lang="en-US" dirty="0" smtClean="0"/>
-              <a:t>Not handling duplicate account or device registration</a:t>
-            </a:r>
-          </a:p>
-          <a:p>
-            <a:endParaRPr lang="en-US" dirty="0"/>
+          <a:bodyPr>
+            <a:normAutofit/>
+          </a:bodyPr>
+          <a:lstStyle/>
+          <a:p>
+            <a:r>
+              <a:rPr lang="en-US" sz="2600" dirty="0" smtClean="0"/>
+              <a:t>Identifier and Stolen status stored in registry</a:t>
+            </a:r>
+          </a:p>
+          <a:p>
+            <a:r>
+              <a:rPr lang="en-US" sz="2600" dirty="0" smtClean="0"/>
+              <a:t>Reconnect to key-logger mid execution</a:t>
+            </a:r>
+          </a:p>
+          <a:p>
+            <a:r>
+              <a:rPr lang="en-US" sz="2600" dirty="0" smtClean="0"/>
+              <a:t>Other minor improvements</a:t>
+            </a:r>
+            <a:endParaRPr lang="en-US" sz="2600" dirty="0"/>
           </a:p>
         </p:txBody>
       </p:sp>
     </p:spTree>
-    <p:extLst>
-      <p:ext uri="{BB962C8B-B14F-4D97-AF65-F5344CB8AC3E}">
-        <p14:creationId xmlns:p14="http://schemas.microsoft.com/office/powerpoint/2010/main" val="115980194"/>
-      </p:ext>
-    </p:extLst>
   </p:cSld>
   <p:clrMapOvr>
     <a:masterClrMapping/>
@@ -6015,4 +7617,324 @@
   <a:objectDefaults/>
   <a:extraClrSchemeLst/>
 </a:theme>
+</file>
+
+<file path=ppt/theme/theme2.xml><?xml version="1.0" encoding="utf-8"?>
+<a:theme xmlns:a="http://schemas.openxmlformats.org/drawingml/2006/main" name="Office Theme">
+  <a:themeElements>
+    <a:clrScheme name="Office">
+      <a:dk1>
+        <a:sysClr val="windowText" lastClr="000000"/>
+      </a:dk1>
+      <a:lt1>
+        <a:sysClr val="window" lastClr="FFFFFF"/>
+      </a:lt1>
+      <a:dk2>
+        <a:srgbClr val="1F497D"/>
+      </a:dk2>
+      <a:lt2>
+        <a:srgbClr val="EEECE1"/>
+      </a:lt2>
+      <a:accent1>
+        <a:srgbClr val="4F81BD"/>
+      </a:accent1>
+      <a:accent2>
+        <a:srgbClr val="C0504D"/>
+      </a:accent2>
+      <a:accent3>
+        <a:srgbClr val="9BBB59"/>
+      </a:accent3>
+      <a:accent4>
+        <a:srgbClr val="8064A2"/>
+      </a:accent4>
+      <a:accent5>
+        <a:srgbClr val="4BACC6"/>
+      </a:accent5>
+      <a:accent6>
+        <a:srgbClr val="F79646"/>
+      </a:accent6>
+      <a:hlink>
+        <a:srgbClr val="0000FF"/>
+      </a:hlink>
+      <a:folHlink>
+        <a:srgbClr val="800080"/>
+      </a:folHlink>
+    </a:clrScheme>
+    <a:fontScheme name="Office">
+      <a:majorFont>
+        <a:latin typeface="Calibri"/>
+        <a:ea typeface=""/>
+        <a:cs typeface=""/>
+        <a:font script="Jpan" typeface="ＭＳ Ｐゴシック"/>
+        <a:font script="Hang" typeface="맑은 고딕"/>
+        <a:font script="Hans" typeface="宋体"/>
+        <a:font script="Hant" typeface="新細明體"/>
+        <a:font script="Arab" typeface="Times New Roman"/>
+        <a:font script="Hebr" typeface="Times New Roman"/>
+        <a:font script="Thai" typeface="Angsana New"/>
+        <a:font script="Ethi" typeface="Nyala"/>
+        <a:font script="Beng" typeface="Vrinda"/>
+        <a:font script="Gujr" typeface="Shruti"/>
+        <a:font script="Khmr" typeface="MoolBoran"/>
+        <a:font script="Knda" typeface="Tunga"/>
+        <a:font script="Guru" typeface="Raavi"/>
+        <a:font script="Cans" typeface="Euphemia"/>
+        <a:font script="Cher" typeface="Plantagenet Cherokee"/>
+        <a:font script="Yiii" typeface="Microsoft Yi Baiti"/>
+        <a:font script="Tibt" typeface="Microsoft Himalaya"/>
+        <a:font script="Thaa" typeface="MV Boli"/>
+        <a:font script="Deva" typeface="Mangal"/>
+        <a:font script="Telu" typeface="Gautami"/>
+        <a:font script="Taml" typeface="Latha"/>
+        <a:font script="Syrc" typeface="Estrangelo Edessa"/>
+        <a:font script="Orya" typeface="Kalinga"/>
+        <a:font script="Mlym" typeface="Kartika"/>
+        <a:font script="Laoo" typeface="DokChampa"/>
+        <a:font script="Sinh" typeface="Iskoola Pota"/>
+        <a:font script="Mong" typeface="Mongolian Baiti"/>
+        <a:font script="Viet" typeface="Times New Roman"/>
+        <a:font script="Uigh" typeface="Microsoft Uighur"/>
+        <a:font script="Geor" typeface="Sylfaen"/>
+      </a:majorFont>
+      <a:minorFont>
+        <a:latin typeface="Calibri"/>
+        <a:ea typeface=""/>
+        <a:cs typeface=""/>
+        <a:font script="Jpan" typeface="ＭＳ Ｐゴシック"/>
+        <a:font script="Hang" typeface="맑은 고딕"/>
+        <a:font script="Hans" typeface="宋体"/>
+        <a:font script="Hant" typeface="新細明體"/>
+        <a:font script="Arab" typeface="Arial"/>
+        <a:font script="Hebr" typeface="Arial"/>
+        <a:font script="Thai" typeface="Cordia New"/>
+        <a:font script="Ethi" typeface="Nyala"/>
+        <a:font script="Beng" typeface="Vrinda"/>
+        <a:font script="Gujr" typeface="Shruti"/>
+        <a:font script="Khmr" typeface="DaunPenh"/>
+        <a:font script="Knda" typeface="Tunga"/>
+        <a:font script="Guru" typeface="Raavi"/>
+        <a:font script="Cans" typeface="Euphemia"/>
+        <a:font script="Cher" typeface="Plantagenet Cherokee"/>
+        <a:font script="Yiii" typeface="Microsoft Yi Baiti"/>
+        <a:font script="Tibt" typeface="Microsoft Himalaya"/>
+        <a:font script="Thaa" typeface="MV Boli"/>
+        <a:font script="Deva" typeface="Mangal"/>
+        <a:font script="Telu" typeface="Gautami"/>
+        <a:font script="Taml" typeface="Latha"/>
+        <a:font script="Syrc" typeface="Estrangelo Edessa"/>
+        <a:font script="Orya" typeface="Kalinga"/>
+        <a:font script="Mlym" typeface="Kartika"/>
+        <a:font script="Laoo" typeface="DokChampa"/>
+        <a:font script="Sinh" typeface="Iskoola Pota"/>
+        <a:font script="Mong" typeface="Mongolian Baiti"/>
+        <a:font script="Viet" typeface="Arial"/>
+        <a:font script="Uigh" typeface="Microsoft Uighur"/>
+        <a:font script="Geor" typeface="Sylfaen"/>
+      </a:minorFont>
+    </a:fontScheme>
+    <a:fmtScheme name="Office">
+      <a:fillStyleLst>
+        <a:solidFill>
+          <a:schemeClr val="phClr"/>
+        </a:solidFill>
+        <a:gradFill rotWithShape="1">
+          <a:gsLst>
+            <a:gs pos="0">
+              <a:schemeClr val="phClr">
+                <a:tint val="50000"/>
+                <a:satMod val="300000"/>
+              </a:schemeClr>
+            </a:gs>
+            <a:gs pos="35000">
+              <a:schemeClr val="phClr">
+                <a:tint val="37000"/>
+                <a:satMod val="300000"/>
+              </a:schemeClr>
+            </a:gs>
+            <a:gs pos="100000">
+              <a:schemeClr val="phClr">
+                <a:tint val="15000"/>
+                <a:satMod val="350000"/>
+              </a:schemeClr>
+            </a:gs>
+          </a:gsLst>
+          <a:lin ang="16200000" scaled="1"/>
+        </a:gradFill>
+        <a:gradFill rotWithShape="1">
+          <a:gsLst>
+            <a:gs pos="0">
+              <a:schemeClr val="phClr">
+                <a:tint val="100000"/>
+                <a:shade val="100000"/>
+                <a:satMod val="130000"/>
+              </a:schemeClr>
+            </a:gs>
+            <a:gs pos="100000">
+              <a:schemeClr val="phClr">
+                <a:tint val="50000"/>
+                <a:shade val="100000"/>
+                <a:satMod val="350000"/>
+              </a:schemeClr>
+            </a:gs>
+          </a:gsLst>
+          <a:lin ang="16200000" scaled="0"/>
+        </a:gradFill>
+      </a:fillStyleLst>
+      <a:lnStyleLst>
+        <a:ln w="9525" cap="flat" cmpd="sng" algn="ctr">
+          <a:solidFill>
+            <a:schemeClr val="phClr">
+              <a:shade val="95000"/>
+              <a:satMod val="105000"/>
+            </a:schemeClr>
+          </a:solidFill>
+          <a:prstDash val="solid"/>
+        </a:ln>
+        <a:ln w="25400" cap="flat" cmpd="sng" algn="ctr">
+          <a:solidFill>
+            <a:schemeClr val="phClr"/>
+          </a:solidFill>
+          <a:prstDash val="solid"/>
+        </a:ln>
+        <a:ln w="38100" cap="flat" cmpd="sng" algn="ctr">
+          <a:solidFill>
+            <a:schemeClr val="phClr"/>
+          </a:solidFill>
+          <a:prstDash val="solid"/>
+        </a:ln>
+      </a:lnStyleLst>
+      <a:effectStyleLst>
+        <a:effectStyle>
+          <a:effectLst>
+            <a:outerShdw blurRad="40000" dist="20000" dir="5400000" rotWithShape="0">
+              <a:srgbClr val="000000">
+                <a:alpha val="38000"/>
+              </a:srgbClr>
+            </a:outerShdw>
+          </a:effectLst>
+        </a:effectStyle>
+        <a:effectStyle>
+          <a:effectLst>
+            <a:outerShdw blurRad="40000" dist="23000" dir="5400000" rotWithShape="0">
+              <a:srgbClr val="000000">
+                <a:alpha val="35000"/>
+              </a:srgbClr>
+            </a:outerShdw>
+          </a:effectLst>
+        </a:effectStyle>
+        <a:effectStyle>
+          <a:effectLst>
+            <a:outerShdw blurRad="40000" dist="23000" dir="5400000" rotWithShape="0">
+              <a:srgbClr val="000000">
+                <a:alpha val="35000"/>
+              </a:srgbClr>
+            </a:outerShdw>
+          </a:effectLst>
+          <a:scene3d>
+            <a:camera prst="orthographicFront">
+              <a:rot lat="0" lon="0" rev="0"/>
+            </a:camera>
+            <a:lightRig rig="threePt" dir="t">
+              <a:rot lat="0" lon="0" rev="1200000"/>
+            </a:lightRig>
+          </a:scene3d>
+          <a:sp3d>
+            <a:bevelT w="63500" h="25400"/>
+          </a:sp3d>
+        </a:effectStyle>
+      </a:effectStyleLst>
+      <a:bgFillStyleLst>
+        <a:solidFill>
+          <a:schemeClr val="phClr"/>
+        </a:solidFill>
+        <a:gradFill rotWithShape="1">
+          <a:gsLst>
+            <a:gs pos="0">
+              <a:schemeClr val="phClr">
+                <a:tint val="40000"/>
+                <a:satMod val="350000"/>
+              </a:schemeClr>
+            </a:gs>
+            <a:gs pos="40000">
+              <a:schemeClr val="phClr">
+                <a:tint val="45000"/>
+                <a:shade val="99000"/>
+                <a:satMod val="350000"/>
+              </a:schemeClr>
+            </a:gs>
+            <a:gs pos="100000">
+              <a:schemeClr val="phClr">
+                <a:shade val="20000"/>
+                <a:satMod val="255000"/>
+              </a:schemeClr>
+            </a:gs>
+          </a:gsLst>
+          <a:path path="circle">
+            <a:fillToRect l="50000" t="-80000" r="50000" b="180000"/>
+          </a:path>
+        </a:gradFill>
+        <a:gradFill rotWithShape="1">
+          <a:gsLst>
+            <a:gs pos="0">
+              <a:schemeClr val="phClr">
+                <a:tint val="80000"/>
+                <a:satMod val="300000"/>
+              </a:schemeClr>
+            </a:gs>
+            <a:gs pos="100000">
+              <a:schemeClr val="phClr">
+                <a:shade val="30000"/>
+                <a:satMod val="200000"/>
+              </a:schemeClr>
+            </a:gs>
+          </a:gsLst>
+          <a:path path="circle">
+            <a:fillToRect l="50000" t="50000" r="50000" b="50000"/>
+          </a:path>
+        </a:gradFill>
+      </a:bgFillStyleLst>
+    </a:fmtScheme>
+  </a:themeElements>
+  <a:objectDefaults>
+    <a:spDef>
+      <a:spPr/>
+      <a:bodyPr/>
+      <a:lstStyle/>
+      <a:style>
+        <a:lnRef idx="1">
+          <a:schemeClr val="accent1"/>
+        </a:lnRef>
+        <a:fillRef idx="3">
+          <a:schemeClr val="accent1"/>
+        </a:fillRef>
+        <a:effectRef idx="2">
+          <a:schemeClr val="accent1"/>
+        </a:effectRef>
+        <a:fontRef idx="minor">
+          <a:schemeClr val="lt1"/>
+        </a:fontRef>
+      </a:style>
+    </a:spDef>
+    <a:lnDef>
+      <a:spPr/>
+      <a:bodyPr/>
+      <a:lstStyle/>
+      <a:style>
+        <a:lnRef idx="2">
+          <a:schemeClr val="accent1"/>
+        </a:lnRef>
+        <a:fillRef idx="0">
+          <a:schemeClr val="accent1"/>
+        </a:fillRef>
+        <a:effectRef idx="1">
+          <a:schemeClr val="accent1"/>
+        </a:effectRef>
+        <a:fontRef idx="minor">
+          <a:schemeClr val="tx1"/>
+        </a:fontRef>
+      </a:style>
+    </a:lnDef>
+  </a:objectDefaults>
+  <a:extraClrSchemeLst/>
+</a:theme>
 </file>